--- a/Final Project/Final Project_group 8.pptx
+++ b/Final Project/Final Project_group 8.pptx
@@ -201,7 +201,7 @@
           <a:p>
             <a:fld id="{04310AF0-3530-4ED1-823D-91E4ABE8030C}" type="datetimeFigureOut">
               <a:rPr lang="zh-TW" altLang="en-US" smtClean="0"/>
-              <a:t>2024/11/30</a:t>
+              <a:t>2024/12/1</a:t>
             </a:fld>
             <a:endParaRPr lang="zh-TW" altLang="en-US"/>
           </a:p>
@@ -699,7 +699,7 @@
           <a:p>
             <a:fld id="{3F2520D8-6521-45E9-BF0B-AAD836FE5AB3}" type="datetimeFigureOut">
               <a:rPr lang="zh-TW" altLang="en-US" smtClean="0"/>
-              <a:t>2024/11/30</a:t>
+              <a:t>2024/12/1</a:t>
             </a:fld>
             <a:endParaRPr lang="zh-TW" altLang="en-US"/>
           </a:p>
@@ -897,7 +897,7 @@
           <a:p>
             <a:fld id="{3F2520D8-6521-45E9-BF0B-AAD836FE5AB3}" type="datetimeFigureOut">
               <a:rPr lang="zh-TW" altLang="en-US" smtClean="0"/>
-              <a:t>2024/11/30</a:t>
+              <a:t>2024/12/1</a:t>
             </a:fld>
             <a:endParaRPr lang="zh-TW" altLang="en-US"/>
           </a:p>
@@ -1105,7 +1105,7 @@
           <a:p>
             <a:fld id="{3F2520D8-6521-45E9-BF0B-AAD836FE5AB3}" type="datetimeFigureOut">
               <a:rPr lang="zh-TW" altLang="en-US" smtClean="0"/>
-              <a:t>2024/11/30</a:t>
+              <a:t>2024/12/1</a:t>
             </a:fld>
             <a:endParaRPr lang="zh-TW" altLang="en-US"/>
           </a:p>
@@ -1303,7 +1303,7 @@
           <a:p>
             <a:fld id="{3F2520D8-6521-45E9-BF0B-AAD836FE5AB3}" type="datetimeFigureOut">
               <a:rPr lang="zh-TW" altLang="en-US" smtClean="0"/>
-              <a:t>2024/11/30</a:t>
+              <a:t>2024/12/1</a:t>
             </a:fld>
             <a:endParaRPr lang="zh-TW" altLang="en-US"/>
           </a:p>
@@ -1578,7 +1578,7 @@
           <a:p>
             <a:fld id="{3F2520D8-6521-45E9-BF0B-AAD836FE5AB3}" type="datetimeFigureOut">
               <a:rPr lang="zh-TW" altLang="en-US" smtClean="0"/>
-              <a:t>2024/11/30</a:t>
+              <a:t>2024/12/1</a:t>
             </a:fld>
             <a:endParaRPr lang="zh-TW" altLang="en-US"/>
           </a:p>
@@ -1843,7 +1843,7 @@
           <a:p>
             <a:fld id="{3F2520D8-6521-45E9-BF0B-AAD836FE5AB3}" type="datetimeFigureOut">
               <a:rPr lang="zh-TW" altLang="en-US" smtClean="0"/>
-              <a:t>2024/11/30</a:t>
+              <a:t>2024/12/1</a:t>
             </a:fld>
             <a:endParaRPr lang="zh-TW" altLang="en-US"/>
           </a:p>
@@ -2255,7 +2255,7 @@
           <a:p>
             <a:fld id="{3F2520D8-6521-45E9-BF0B-AAD836FE5AB3}" type="datetimeFigureOut">
               <a:rPr lang="zh-TW" altLang="en-US" smtClean="0"/>
-              <a:t>2024/11/30</a:t>
+              <a:t>2024/12/1</a:t>
             </a:fld>
             <a:endParaRPr lang="zh-TW" altLang="en-US"/>
           </a:p>
@@ -2396,7 +2396,7 @@
           <a:p>
             <a:fld id="{3F2520D8-6521-45E9-BF0B-AAD836FE5AB3}" type="datetimeFigureOut">
               <a:rPr lang="zh-TW" altLang="en-US" smtClean="0"/>
-              <a:t>2024/11/30</a:t>
+              <a:t>2024/12/1</a:t>
             </a:fld>
             <a:endParaRPr lang="zh-TW" altLang="en-US"/>
           </a:p>
@@ -2509,7 +2509,7 @@
           <a:p>
             <a:fld id="{3F2520D8-6521-45E9-BF0B-AAD836FE5AB3}" type="datetimeFigureOut">
               <a:rPr lang="zh-TW" altLang="en-US" smtClean="0"/>
-              <a:t>2024/11/30</a:t>
+              <a:t>2024/12/1</a:t>
             </a:fld>
             <a:endParaRPr lang="zh-TW" altLang="en-US"/>
           </a:p>
@@ -2820,7 +2820,7 @@
           <a:p>
             <a:fld id="{3F2520D8-6521-45E9-BF0B-AAD836FE5AB3}" type="datetimeFigureOut">
               <a:rPr lang="zh-TW" altLang="en-US" smtClean="0"/>
-              <a:t>2024/11/30</a:t>
+              <a:t>2024/12/1</a:t>
             </a:fld>
             <a:endParaRPr lang="zh-TW" altLang="en-US"/>
           </a:p>
@@ -3108,7 +3108,7 @@
           <a:p>
             <a:fld id="{3F2520D8-6521-45E9-BF0B-AAD836FE5AB3}" type="datetimeFigureOut">
               <a:rPr lang="zh-TW" altLang="en-US" smtClean="0"/>
-              <a:t>2024/11/30</a:t>
+              <a:t>2024/12/1</a:t>
             </a:fld>
             <a:endParaRPr lang="zh-TW" altLang="en-US"/>
           </a:p>
@@ -3349,7 +3349,7 @@
           <a:p>
             <a:fld id="{3F2520D8-6521-45E9-BF0B-AAD836FE5AB3}" type="datetimeFigureOut">
               <a:rPr lang="zh-TW" altLang="en-US" smtClean="0"/>
-              <a:t>2024/11/30</a:t>
+              <a:t>2024/12/1</a:t>
             </a:fld>
             <a:endParaRPr lang="zh-TW" altLang="en-US"/>
           </a:p>
@@ -5615,7 +5615,7 @@
                 <a:latin typeface="Times New Roman" panose="02020603050405020304" pitchFamily="18" charset="0"/>
                 <a:cs typeface="Times New Roman" panose="02020603050405020304" pitchFamily="18" charset="0"/>
               </a:rPr>
-              <a:t>Finally, while trip duration should influence SOC, feature importance analysis (second from the right) shows its importance is minimal (0.02). This is due to high correlation between distance and duration, with distance already capturing most of the relationship with SOC (importance &gt; 0.92, the right one).</a:t>
+              <a:t>The strong correlation between SOC/km and temperature (second from the right) confirms that temperature and distance are key predictors of SOC. Trip duration (on the right) has minimal importance (0.02) due to its high correlation with distance, which already captures most of the SOC relationship (&gt;0.92 importance).</a:t>
             </a:r>
           </a:p>
         </p:txBody>

--- a/Final Project/Final Project_group 8.pptx
+++ b/Final Project/Final Project_group 8.pptx
@@ -201,7 +201,7 @@
           <a:p>
             <a:fld id="{04310AF0-3530-4ED1-823D-91E4ABE8030C}" type="datetimeFigureOut">
               <a:rPr lang="zh-TW" altLang="en-US" smtClean="0"/>
-              <a:t>2024/12/1</a:t>
+              <a:t>2024/12/16</a:t>
             </a:fld>
             <a:endParaRPr lang="zh-TW" altLang="en-US"/>
           </a:p>
@@ -699,7 +699,7 @@
           <a:p>
             <a:fld id="{3F2520D8-6521-45E9-BF0B-AAD836FE5AB3}" type="datetimeFigureOut">
               <a:rPr lang="zh-TW" altLang="en-US" smtClean="0"/>
-              <a:t>2024/12/1</a:t>
+              <a:t>2024/12/16</a:t>
             </a:fld>
             <a:endParaRPr lang="zh-TW" altLang="en-US"/>
           </a:p>
@@ -897,7 +897,7 @@
           <a:p>
             <a:fld id="{3F2520D8-6521-45E9-BF0B-AAD836FE5AB3}" type="datetimeFigureOut">
               <a:rPr lang="zh-TW" altLang="en-US" smtClean="0"/>
-              <a:t>2024/12/1</a:t>
+              <a:t>2024/12/16</a:t>
             </a:fld>
             <a:endParaRPr lang="zh-TW" altLang="en-US"/>
           </a:p>
@@ -1105,7 +1105,7 @@
           <a:p>
             <a:fld id="{3F2520D8-6521-45E9-BF0B-AAD836FE5AB3}" type="datetimeFigureOut">
               <a:rPr lang="zh-TW" altLang="en-US" smtClean="0"/>
-              <a:t>2024/12/1</a:t>
+              <a:t>2024/12/16</a:t>
             </a:fld>
             <a:endParaRPr lang="zh-TW" altLang="en-US"/>
           </a:p>
@@ -1303,7 +1303,7 @@
           <a:p>
             <a:fld id="{3F2520D8-6521-45E9-BF0B-AAD836FE5AB3}" type="datetimeFigureOut">
               <a:rPr lang="zh-TW" altLang="en-US" smtClean="0"/>
-              <a:t>2024/12/1</a:t>
+              <a:t>2024/12/16</a:t>
             </a:fld>
             <a:endParaRPr lang="zh-TW" altLang="en-US"/>
           </a:p>
@@ -1578,7 +1578,7 @@
           <a:p>
             <a:fld id="{3F2520D8-6521-45E9-BF0B-AAD836FE5AB3}" type="datetimeFigureOut">
               <a:rPr lang="zh-TW" altLang="en-US" smtClean="0"/>
-              <a:t>2024/12/1</a:t>
+              <a:t>2024/12/16</a:t>
             </a:fld>
             <a:endParaRPr lang="zh-TW" altLang="en-US"/>
           </a:p>
@@ -1843,7 +1843,7 @@
           <a:p>
             <a:fld id="{3F2520D8-6521-45E9-BF0B-AAD836FE5AB3}" type="datetimeFigureOut">
               <a:rPr lang="zh-TW" altLang="en-US" smtClean="0"/>
-              <a:t>2024/12/1</a:t>
+              <a:t>2024/12/16</a:t>
             </a:fld>
             <a:endParaRPr lang="zh-TW" altLang="en-US"/>
           </a:p>
@@ -2255,7 +2255,7 @@
           <a:p>
             <a:fld id="{3F2520D8-6521-45E9-BF0B-AAD836FE5AB3}" type="datetimeFigureOut">
               <a:rPr lang="zh-TW" altLang="en-US" smtClean="0"/>
-              <a:t>2024/12/1</a:t>
+              <a:t>2024/12/16</a:t>
             </a:fld>
             <a:endParaRPr lang="zh-TW" altLang="en-US"/>
           </a:p>
@@ -2396,7 +2396,7 @@
           <a:p>
             <a:fld id="{3F2520D8-6521-45E9-BF0B-AAD836FE5AB3}" type="datetimeFigureOut">
               <a:rPr lang="zh-TW" altLang="en-US" smtClean="0"/>
-              <a:t>2024/12/1</a:t>
+              <a:t>2024/12/16</a:t>
             </a:fld>
             <a:endParaRPr lang="zh-TW" altLang="en-US"/>
           </a:p>
@@ -2509,7 +2509,7 @@
           <a:p>
             <a:fld id="{3F2520D8-6521-45E9-BF0B-AAD836FE5AB3}" type="datetimeFigureOut">
               <a:rPr lang="zh-TW" altLang="en-US" smtClean="0"/>
-              <a:t>2024/12/1</a:t>
+              <a:t>2024/12/16</a:t>
             </a:fld>
             <a:endParaRPr lang="zh-TW" altLang="en-US"/>
           </a:p>
@@ -2820,7 +2820,7 @@
           <a:p>
             <a:fld id="{3F2520D8-6521-45E9-BF0B-AAD836FE5AB3}" type="datetimeFigureOut">
               <a:rPr lang="zh-TW" altLang="en-US" smtClean="0"/>
-              <a:t>2024/12/1</a:t>
+              <a:t>2024/12/16</a:t>
             </a:fld>
             <a:endParaRPr lang="zh-TW" altLang="en-US"/>
           </a:p>
@@ -3108,7 +3108,7 @@
           <a:p>
             <a:fld id="{3F2520D8-6521-45E9-BF0B-AAD836FE5AB3}" type="datetimeFigureOut">
               <a:rPr lang="zh-TW" altLang="en-US" smtClean="0"/>
-              <a:t>2024/12/1</a:t>
+              <a:t>2024/12/16</a:t>
             </a:fld>
             <a:endParaRPr lang="zh-TW" altLang="en-US"/>
           </a:p>
@@ -3349,7 +3349,7 @@
           <a:p>
             <a:fld id="{3F2520D8-6521-45E9-BF0B-AAD836FE5AB3}" type="datetimeFigureOut">
               <a:rPr lang="zh-TW" altLang="en-US" smtClean="0"/>
-              <a:t>2024/12/1</a:t>
+              <a:t>2024/12/16</a:t>
             </a:fld>
             <a:endParaRPr lang="zh-TW" altLang="en-US"/>
           </a:p>
@@ -4176,13 +4176,13 @@
         </p:nvSpPr>
         <p:spPr>
           <a:xfrm>
-            <a:off x="859971" y="1238704"/>
-            <a:ext cx="11332029" cy="5359173"/>
+            <a:off x="859972" y="1238703"/>
+            <a:ext cx="10929258" cy="5359173"/>
           </a:xfrm>
         </p:spPr>
         <p:txBody>
           <a:bodyPr>
-            <a:normAutofit lnSpcReduction="10000"/>
+            <a:normAutofit/>
           </a:bodyPr>
           <a:lstStyle/>
           <a:p>
@@ -4195,7 +4195,7 @@
                 <a:latin typeface="Times New Roman" panose="02020603050405020304" pitchFamily="18" charset="0"/>
                 <a:cs typeface="Times New Roman" panose="02020603050405020304" pitchFamily="18" charset="0"/>
               </a:rPr>
-              <a:t>Objective</a:t>
+              <a:t>Objective: Predict battery performance of electric vehicles</a:t>
             </a:r>
           </a:p>
           <a:p>
@@ -4208,8 +4208,39 @@
                 <a:latin typeface="Times New Roman" panose="02020603050405020304" pitchFamily="18" charset="0"/>
                 <a:cs typeface="Times New Roman" panose="02020603050405020304" pitchFamily="18" charset="0"/>
               </a:rPr>
-              <a:t>Analyze real-world data to predict and optimize battery performance by focusing on:</a:t>
-            </a:r>
+              <a:t>Data: Information on 72 driving trips of a BMW i3</a:t>
+            </a:r>
+          </a:p>
+          <a:p>
+            <a:pPr marL="800100" lvl="1" indent="-342900" algn="l">
+              <a:buFont typeface="Wingdings" panose="05000000000000000000" pitchFamily="2" charset="2"/>
+              <a:buChar char="l"/>
+            </a:pPr>
+            <a:r>
+              <a:rPr lang="en-US" altLang="zh-TW" sz="2200" dirty="0">
+                <a:latin typeface="Times New Roman" panose="02020603050405020304" pitchFamily="18" charset="0"/>
+                <a:cs typeface="Times New Roman" panose="02020603050405020304" pitchFamily="18" charset="0"/>
+              </a:rPr>
+              <a:t>Outcome: Battery consumption (difference between the start and end battery levels)</a:t>
+            </a:r>
+          </a:p>
+          <a:p>
+            <a:pPr marL="800100" lvl="1" indent="-342900" algn="l">
+              <a:buFont typeface="Wingdings" panose="05000000000000000000" pitchFamily="2" charset="2"/>
+              <a:buChar char="l"/>
+            </a:pPr>
+            <a:r>
+              <a:rPr lang="en-US" altLang="zh-TW" sz="2200" dirty="0">
+                <a:latin typeface="Times New Roman" panose="02020603050405020304" pitchFamily="18" charset="0"/>
+                <a:cs typeface="Times New Roman" panose="02020603050405020304" pitchFamily="18" charset="0"/>
+              </a:rPr>
+              <a:t>Features:</a:t>
+            </a:r>
+            <a:endParaRPr lang="en-US" altLang="zh-TW" sz="2000" dirty="0">
+              <a:latin typeface="Times New Roman" panose="02020603050405020304" pitchFamily="18" charset="0"/>
+              <a:ea typeface="PMingLiU" panose="02020500000000000000" pitchFamily="18" charset="-120"/>
+              <a:cs typeface="Times New Roman" panose="02020603050405020304" pitchFamily="18" charset="0"/>
+            </a:endParaRPr>
           </a:p>
           <a:p>
             <a:pPr marL="1371600" lvl="2" indent="-457200" algn="l">
@@ -4221,13 +4252,15 @@
                 <a:latin typeface="Times New Roman" panose="02020603050405020304" pitchFamily="18" charset="0"/>
                 <a:cs typeface="Times New Roman" panose="02020603050405020304" pitchFamily="18" charset="0"/>
               </a:rPr>
-              <a:t>Environmental factors</a:t>
-            </a:r>
-            <a:endParaRPr lang="en-US" altLang="zh-TW" sz="2000" b="1" dirty="0">
-              <a:latin typeface="Times New Roman" panose="02020603050405020304" pitchFamily="18" charset="0"/>
-              <a:ea typeface="PMingLiU" panose="02020500000000000000" pitchFamily="18" charset="-120"/>
-              <a:cs typeface="Times New Roman" panose="02020603050405020304" pitchFamily="18" charset="0"/>
-            </a:endParaRPr>
+              <a:t>Environment:</a:t>
+            </a:r>
+            <a:r>
+              <a:rPr lang="en-US" altLang="zh-TW" sz="2000" dirty="0">
+                <a:latin typeface="Times New Roman" panose="02020603050405020304" pitchFamily="18" charset="0"/>
+                <a:cs typeface="Times New Roman" panose="02020603050405020304" pitchFamily="18" charset="0"/>
+              </a:rPr>
+              <a:t> weather, route, area</a:t>
+            </a:r>
           </a:p>
           <a:p>
             <a:pPr marL="1371600" lvl="2" indent="-457200" algn="l">
@@ -4239,20 +4272,14 @@
                 <a:latin typeface="Times New Roman" panose="02020603050405020304" pitchFamily="18" charset="0"/>
                 <a:cs typeface="Times New Roman" panose="02020603050405020304" pitchFamily="18" charset="0"/>
               </a:rPr>
-              <a:t>Vehicle dynamics</a:t>
-            </a:r>
-          </a:p>
-          <a:p>
-            <a:pPr marL="1371600" lvl="2" indent="-457200" algn="l">
-              <a:buFont typeface="+mj-lt"/>
-              <a:buAutoNum type="alphaLcParenR"/>
-            </a:pPr>
-            <a:r>
-              <a:rPr lang="en-US" altLang="zh-TW" sz="2000" b="1" dirty="0">
-                <a:latin typeface="Times New Roman" panose="02020603050405020304" pitchFamily="18" charset="0"/>
-                <a:cs typeface="Times New Roman" panose="02020603050405020304" pitchFamily="18" charset="0"/>
-              </a:rPr>
-              <a:t>Heating circuit efficiency</a:t>
+              <a:t>Vehicle:</a:t>
+            </a:r>
+            <a:r>
+              <a:rPr lang="en-US" altLang="zh-TW" sz="2000" dirty="0">
+                <a:latin typeface="Times New Roman" panose="02020603050405020304" pitchFamily="18" charset="0"/>
+                <a:cs typeface="Times New Roman" panose="02020603050405020304" pitchFamily="18" charset="0"/>
+              </a:rPr>
+              <a:t> distance, speed, battery temperature, cabin temperature</a:t>
             </a:r>
           </a:p>
           <a:p>
@@ -4265,7 +4292,7 @@
                 <a:latin typeface="Times New Roman" panose="02020603050405020304" pitchFamily="18" charset="0"/>
                 <a:cs typeface="Times New Roman" panose="02020603050405020304" pitchFamily="18" charset="0"/>
               </a:rPr>
-              <a:t>Related Variables</a:t>
+              <a:t>Questions</a:t>
             </a:r>
           </a:p>
           <a:p>
@@ -4278,67 +4305,35 @@
                 <a:latin typeface="Times New Roman" panose="02020603050405020304" pitchFamily="18" charset="0"/>
                 <a:cs typeface="Times New Roman" panose="02020603050405020304" pitchFamily="18" charset="0"/>
               </a:rPr>
-              <a:t>Key Features</a:t>
-            </a:r>
-          </a:p>
-          <a:p>
-            <a:pPr marL="1371600" lvl="2" indent="-457200" algn="l">
-              <a:buFont typeface="+mj-lt"/>
-              <a:buAutoNum type="alphaLcParenR"/>
-            </a:pPr>
-            <a:r>
-              <a:rPr lang="en-US" altLang="zh-TW" sz="2000" b="1" dirty="0">
-                <a:latin typeface="Times New Roman" panose="02020603050405020304" pitchFamily="18" charset="0"/>
-                <a:cs typeface="Times New Roman" panose="02020603050405020304" pitchFamily="18" charset="0"/>
-              </a:rPr>
-              <a:t>Environmental Data:</a:t>
-            </a:r>
-            <a:r>
-              <a:rPr lang="en-US" altLang="zh-TW" sz="2000" dirty="0">
-                <a:latin typeface="Times New Roman" panose="02020603050405020304" pitchFamily="18" charset="0"/>
-                <a:cs typeface="Times New Roman" panose="02020603050405020304" pitchFamily="18" charset="0"/>
-              </a:rPr>
-              <a:t> Temperature, Elevation</a:t>
-            </a:r>
-          </a:p>
-          <a:p>
-            <a:pPr marL="1371600" lvl="2" indent="-457200" algn="l">
-              <a:buFont typeface="+mj-lt"/>
-              <a:buAutoNum type="alphaLcParenR"/>
-            </a:pPr>
-            <a:r>
-              <a:rPr lang="en-US" altLang="zh-TW" sz="2000" b="1" dirty="0">
-                <a:latin typeface="Times New Roman" panose="02020603050405020304" pitchFamily="18" charset="0"/>
-                <a:cs typeface="Times New Roman" panose="02020603050405020304" pitchFamily="18" charset="0"/>
-              </a:rPr>
-              <a:t>Vehicle Data:</a:t>
-            </a:r>
-            <a:r>
-              <a:rPr lang="en-US" altLang="zh-TW" sz="2000" dirty="0">
-                <a:latin typeface="Times New Roman" panose="02020603050405020304" pitchFamily="18" charset="0"/>
-                <a:cs typeface="Times New Roman" panose="02020603050405020304" pitchFamily="18" charset="0"/>
-              </a:rPr>
-              <a:t> Speed, Throttle Position</a:t>
-            </a:r>
-          </a:p>
-          <a:p>
-            <a:pPr marL="1371600" lvl="2" indent="-457200" algn="l">
-              <a:buFont typeface="+mj-lt"/>
-              <a:buAutoNum type="alphaLcParenR"/>
-            </a:pPr>
-            <a:r>
-              <a:rPr lang="en-US" altLang="zh-TW" sz="2000" b="1" dirty="0">
-                <a:latin typeface="Times New Roman" panose="02020603050405020304" pitchFamily="18" charset="0"/>
-                <a:cs typeface="Times New Roman" panose="02020603050405020304" pitchFamily="18" charset="0"/>
-              </a:rPr>
-              <a:t>Heating Circuit Data:</a:t>
-            </a:r>
-            <a:r>
-              <a:rPr lang="en-US" altLang="zh-TW" sz="2000" dirty="0">
-                <a:latin typeface="Times New Roman" panose="02020603050405020304" pitchFamily="18" charset="0"/>
-                <a:cs typeface="Times New Roman" panose="02020603050405020304" pitchFamily="18" charset="0"/>
-              </a:rPr>
-              <a:t> Indoor Temp, Heating Power</a:t>
+              <a:t>Which models predict battery consumption better: </a:t>
+            </a:r>
+            <a:r>
+              <a:rPr lang="en-US" altLang="zh-TW" sz="2200" b="1" dirty="0">
+                <a:latin typeface="Times New Roman" panose="02020603050405020304" pitchFamily="18" charset="0"/>
+                <a:cs typeface="Times New Roman" panose="02020603050405020304" pitchFamily="18" charset="0"/>
+              </a:rPr>
+              <a:t>Linear Models</a:t>
+            </a:r>
+            <a:r>
+              <a:rPr lang="en-US" altLang="zh-TW" sz="2200" dirty="0">
+                <a:latin typeface="Times New Roman" panose="02020603050405020304" pitchFamily="18" charset="0"/>
+                <a:cs typeface="Times New Roman" panose="02020603050405020304" pitchFamily="18" charset="0"/>
+              </a:rPr>
+              <a:t> or </a:t>
+            </a:r>
+            <a:r>
+              <a:rPr lang="en-US" altLang="zh-TW" sz="2200" b="1" dirty="0">
+                <a:latin typeface="Times New Roman" panose="02020603050405020304" pitchFamily="18" charset="0"/>
+                <a:cs typeface="Times New Roman" panose="02020603050405020304" pitchFamily="18" charset="0"/>
+              </a:rPr>
+              <a:t>Tree-Based Models</a:t>
+            </a:r>
+            <a:r>
+              <a:rPr lang="en-US" altLang="zh-TW" sz="2200" dirty="0">
+                <a:latin typeface="Times New Roman" panose="02020603050405020304" pitchFamily="18" charset="0"/>
+                <a:cs typeface="Times New Roman" panose="02020603050405020304" pitchFamily="18" charset="0"/>
+              </a:rPr>
+              <a:t>?</a:t>
             </a:r>
           </a:p>
           <a:p>
@@ -4351,36 +4346,40 @@
                 <a:latin typeface="Times New Roman" panose="02020603050405020304" pitchFamily="18" charset="0"/>
                 <a:cs typeface="Times New Roman" panose="02020603050405020304" pitchFamily="18" charset="0"/>
               </a:rPr>
-              <a:t>Target Outcome: Predict</a:t>
-            </a:r>
-            <a:r>
-              <a:rPr lang="zh-TW" altLang="en-US" sz="2200" dirty="0">
-                <a:latin typeface="Times New Roman" panose="02020603050405020304" pitchFamily="18" charset="0"/>
-                <a:cs typeface="Times New Roman" panose="02020603050405020304" pitchFamily="18" charset="0"/>
-              </a:rPr>
-              <a:t> </a:t>
+              <a:t>Which features are more important for predicting battery usage: </a:t>
+            </a:r>
+            <a:r>
+              <a:rPr lang="en-US" altLang="zh-TW" sz="2200" b="1" dirty="0">
+                <a:latin typeface="Times New Roman" panose="02020603050405020304" pitchFamily="18" charset="0"/>
+                <a:cs typeface="Times New Roman" panose="02020603050405020304" pitchFamily="18" charset="0"/>
+              </a:rPr>
+              <a:t>Environment</a:t>
             </a:r>
             <a:r>
               <a:rPr lang="en-US" altLang="zh-TW" sz="2200" dirty="0">
                 <a:latin typeface="Times New Roman" panose="02020603050405020304" pitchFamily="18" charset="0"/>
                 <a:cs typeface="Times New Roman" panose="02020603050405020304" pitchFamily="18" charset="0"/>
               </a:rPr>
-              <a:t>the </a:t>
+              <a:t> or </a:t>
             </a:r>
             <a:r>
               <a:rPr lang="en-US" altLang="zh-TW" sz="2200" b="1" dirty="0">
                 <a:latin typeface="Times New Roman" panose="02020603050405020304" pitchFamily="18" charset="0"/>
                 <a:cs typeface="Times New Roman" panose="02020603050405020304" pitchFamily="18" charset="0"/>
               </a:rPr>
-              <a:t>State of Charge (SoC) Difference</a:t>
+              <a:t>Vehicle</a:t>
             </a:r>
             <a:r>
               <a:rPr lang="en-US" altLang="zh-TW" sz="2200" dirty="0">
                 <a:latin typeface="Times New Roman" panose="02020603050405020304" pitchFamily="18" charset="0"/>
                 <a:cs typeface="Times New Roman" panose="02020603050405020304" pitchFamily="18" charset="0"/>
               </a:rPr>
-              <a:t> (Battery Consumption)</a:t>
-            </a:r>
+              <a:t>?</a:t>
+            </a:r>
+            <a:endParaRPr lang="en-US" altLang="zh-TW" sz="2200" b="1" dirty="0">
+              <a:latin typeface="Times New Roman" panose="02020603050405020304" pitchFamily="18" charset="0"/>
+              <a:cs typeface="Times New Roman" panose="02020603050405020304" pitchFamily="18" charset="0"/>
+            </a:endParaRPr>
           </a:p>
           <a:p>
             <a:pPr marL="342900" indent="-342900" algn="l">
@@ -4401,18 +4400,11 @@
               <a:buChar char="l"/>
             </a:pPr>
             <a:r>
-              <a:rPr lang="en-US" altLang="zh-TW" sz="2200" b="1" dirty="0">
-                <a:latin typeface="Times New Roman" panose="02020603050405020304" pitchFamily="18" charset="0"/>
-                <a:cs typeface="Times New Roman" panose="02020603050405020304" pitchFamily="18" charset="0"/>
-              </a:rPr>
-              <a:t>Data Preprocessing:</a:t>
-            </a:r>
-            <a:r>
               <a:rPr lang="en-US" altLang="zh-TW" sz="2200" dirty="0">
                 <a:latin typeface="Times New Roman" panose="02020603050405020304" pitchFamily="18" charset="0"/>
                 <a:cs typeface="Times New Roman" panose="02020603050405020304" pitchFamily="18" charset="0"/>
               </a:rPr>
-              <a:t> Cleaning and transforming features for modeling</a:t>
+              <a:t>Test/training data split</a:t>
             </a:r>
           </a:p>
           <a:p>
@@ -4421,66 +4413,32 @@
               <a:buChar char="l"/>
             </a:pPr>
             <a:r>
+              <a:rPr lang="en-US" altLang="zh-TW" sz="2200" dirty="0">
+                <a:latin typeface="Times New Roman" panose="02020603050405020304" pitchFamily="18" charset="0"/>
+                <a:cs typeface="Times New Roman" panose="02020603050405020304" pitchFamily="18" charset="0"/>
+              </a:rPr>
+              <a:t>Models: </a:t>
+            </a:r>
+            <a:r>
               <a:rPr lang="en-US" altLang="zh-TW" sz="2200" b="1" dirty="0">
                 <a:latin typeface="Times New Roman" panose="02020603050405020304" pitchFamily="18" charset="0"/>
                 <a:cs typeface="Times New Roman" panose="02020603050405020304" pitchFamily="18" charset="0"/>
               </a:rPr>
-              <a:t>Modeling:</a:t>
-            </a:r>
-            <a:r>
-              <a:rPr lang="zh-TW" altLang="en-US" sz="2200" b="1" dirty="0">
-                <a:latin typeface="Times New Roman" panose="02020603050405020304" pitchFamily="18" charset="0"/>
-                <a:cs typeface="Times New Roman" panose="02020603050405020304" pitchFamily="18" charset="0"/>
-              </a:rPr>
-              <a:t> </a:t>
+              <a:t>Linear Models</a:t>
             </a:r>
             <a:r>
               <a:rPr lang="en-US" altLang="zh-TW" sz="2200" dirty="0">
                 <a:latin typeface="Times New Roman" panose="02020603050405020304" pitchFamily="18" charset="0"/>
                 <a:cs typeface="Times New Roman" panose="02020603050405020304" pitchFamily="18" charset="0"/>
               </a:rPr>
-              <a:t>Use </a:t>
+              <a:t> and </a:t>
             </a:r>
             <a:r>
               <a:rPr lang="en-US" altLang="zh-TW" sz="2200" b="1" dirty="0">
                 <a:latin typeface="Times New Roman" panose="02020603050405020304" pitchFamily="18" charset="0"/>
                 <a:cs typeface="Times New Roman" panose="02020603050405020304" pitchFamily="18" charset="0"/>
               </a:rPr>
-              <a:t>Linear Models</a:t>
-            </a:r>
-            <a:r>
-              <a:rPr lang="en-US" altLang="zh-TW" sz="2200" dirty="0">
-                <a:latin typeface="Times New Roman" panose="02020603050405020304" pitchFamily="18" charset="0"/>
-                <a:cs typeface="Times New Roman" panose="02020603050405020304" pitchFamily="18" charset="0"/>
-              </a:rPr>
-              <a:t> and </a:t>
-            </a:r>
-            <a:r>
-              <a:rPr lang="en-US" altLang="zh-TW" sz="2200" b="1" dirty="0">
-                <a:latin typeface="Times New Roman" panose="02020603050405020304" pitchFamily="18" charset="0"/>
-                <a:cs typeface="Times New Roman" panose="02020603050405020304" pitchFamily="18" charset="0"/>
-              </a:rPr>
               <a:t>Tree-Based Models</a:t>
-            </a:r>
-          </a:p>
-          <a:p>
-            <a:pPr marL="800100" lvl="1" indent="-342900" algn="l">
-              <a:buFont typeface="Wingdings" panose="05000000000000000000" pitchFamily="2" charset="2"/>
-              <a:buChar char="l"/>
-            </a:pPr>
-            <a:r>
-              <a:rPr lang="en-US" altLang="zh-TW" sz="2200" b="1" dirty="0">
-                <a:latin typeface="Times New Roman" panose="02020603050405020304" pitchFamily="18" charset="0"/>
-                <a:cs typeface="Times New Roman" panose="02020603050405020304" pitchFamily="18" charset="0"/>
-              </a:rPr>
-              <a:t>Performance Comparison:</a:t>
-            </a:r>
-            <a:r>
-              <a:rPr lang="en-US" altLang="zh-TW" sz="2200" dirty="0">
-                <a:latin typeface="Times New Roman" panose="02020603050405020304" pitchFamily="18" charset="0"/>
-                <a:cs typeface="Times New Roman" panose="02020603050405020304" pitchFamily="18" charset="0"/>
-              </a:rPr>
-              <a:t> Evaluate models for actionable insights</a:t>
             </a:r>
           </a:p>
         </p:txBody>
@@ -4609,7 +4567,7 @@
         </p:nvSpPr>
         <p:spPr>
           <a:xfrm>
-            <a:off x="859971" y="1175657"/>
+            <a:off x="859971" y="1317171"/>
             <a:ext cx="11332029" cy="5519057"/>
           </a:xfrm>
         </p:spPr>
@@ -4624,11 +4582,11 @@
               <a:buAutoNum type="arabicPeriod"/>
             </a:pPr>
             <a:r>
-              <a:rPr lang="en-US" altLang="zh-TW" sz="2200" b="1" dirty="0">
-                <a:latin typeface="Times New Roman" panose="02020603050405020304" pitchFamily="18" charset="0"/>
-                <a:cs typeface="Times New Roman" panose="02020603050405020304" pitchFamily="18" charset="0"/>
-              </a:rPr>
-              <a:t>Linear Models</a:t>
+              <a:rPr lang="en-US" altLang="zh-TW" sz="2200" dirty="0">
+                <a:latin typeface="Times New Roman" panose="02020603050405020304" pitchFamily="18" charset="0"/>
+                <a:cs typeface="Times New Roman" panose="02020603050405020304" pitchFamily="18" charset="0"/>
+              </a:rPr>
+              <a:t>Outcome variable: Battery consumption</a:t>
             </a:r>
           </a:p>
           <a:p>
@@ -4637,295 +4595,72 @@
               <a:buAutoNum type="arabicParenR"/>
             </a:pPr>
             <a:r>
-              <a:rPr lang="en-US" altLang="zh-TW" sz="1800" dirty="0">
-                <a:latin typeface="Times New Roman" panose="02020603050405020304" pitchFamily="18" charset="0"/>
-                <a:cs typeface="Times New Roman" panose="02020603050405020304" pitchFamily="18" charset="0"/>
-              </a:rPr>
-              <a:t>Linear Regression: </a:t>
-            </a:r>
-            <a:r>
-              <a:rPr lang="en-US" altLang="zh-TW" sz="1800" b="1" dirty="0">
-                <a:latin typeface="Times New Roman" panose="02020603050405020304" pitchFamily="18" charset="0"/>
-                <a:cs typeface="Times New Roman" panose="02020603050405020304" pitchFamily="18" charset="0"/>
-              </a:rPr>
-              <a:t>Training MSE</a:t>
-            </a:r>
-            <a:r>
-              <a:rPr lang="zh-TW" altLang="en-US" sz="1800" b="1" dirty="0">
-                <a:latin typeface="Times New Roman" panose="02020603050405020304" pitchFamily="18" charset="0"/>
-                <a:cs typeface="Times New Roman" panose="02020603050405020304" pitchFamily="18" charset="0"/>
-              </a:rPr>
-              <a:t> </a:t>
-            </a:r>
-            <a:r>
-              <a:rPr lang="en-US" altLang="zh-TW" sz="1600" dirty="0">
-                <a:latin typeface="Times New Roman" panose="02020603050405020304" pitchFamily="18" charset="0"/>
-                <a:cs typeface="Times New Roman" panose="02020603050405020304" pitchFamily="18" charset="0"/>
-              </a:rPr>
-              <a:t>=</a:t>
-            </a:r>
-            <a:r>
-              <a:rPr lang="en-US" altLang="zh-TW" sz="1800" dirty="0">
-                <a:latin typeface="Times New Roman" panose="02020603050405020304" pitchFamily="18" charset="0"/>
-                <a:cs typeface="Times New Roman" panose="02020603050405020304" pitchFamily="18" charset="0"/>
-              </a:rPr>
-              <a:t> 0.0004 | </a:t>
-            </a:r>
-            <a:r>
-              <a:rPr lang="en-US" altLang="zh-TW" sz="1800" b="1" dirty="0">
-                <a:latin typeface="Times New Roman" panose="02020603050405020304" pitchFamily="18" charset="0"/>
-                <a:cs typeface="Times New Roman" panose="02020603050405020304" pitchFamily="18" charset="0"/>
-              </a:rPr>
-              <a:t>Test MSE</a:t>
-            </a:r>
-            <a:r>
-              <a:rPr lang="zh-TW" altLang="en-US" sz="1800" b="1" dirty="0">
-                <a:latin typeface="Times New Roman" panose="02020603050405020304" pitchFamily="18" charset="0"/>
-                <a:cs typeface="Times New Roman" panose="02020603050405020304" pitchFamily="18" charset="0"/>
-              </a:rPr>
-              <a:t> </a:t>
-            </a:r>
-            <a:r>
-              <a:rPr lang="en-US" altLang="zh-TW" sz="1600" dirty="0">
-                <a:latin typeface="Times New Roman" panose="02020603050405020304" pitchFamily="18" charset="0"/>
-                <a:cs typeface="Times New Roman" panose="02020603050405020304" pitchFamily="18" charset="0"/>
-              </a:rPr>
-              <a:t>=</a:t>
-            </a:r>
-            <a:r>
-              <a:rPr lang="en-US" altLang="zh-TW" sz="1800" dirty="0">
-                <a:latin typeface="Times New Roman" panose="02020603050405020304" pitchFamily="18" charset="0"/>
-                <a:cs typeface="Times New Roman" panose="02020603050405020304" pitchFamily="18" charset="0"/>
-              </a:rPr>
-              <a:t> 0.0006 | </a:t>
-            </a:r>
-            <a:r>
-              <a:rPr lang="en-US" altLang="zh-TW" sz="1800" b="1" dirty="0">
-                <a:latin typeface="Times New Roman" panose="02020603050405020304" pitchFamily="18" charset="0"/>
-                <a:cs typeface="Times New Roman" panose="02020603050405020304" pitchFamily="18" charset="0"/>
-              </a:rPr>
-              <a:t>R²</a:t>
-            </a:r>
-            <a:r>
-              <a:rPr lang="zh-TW" altLang="en-US" sz="1800" b="1" dirty="0">
-                <a:latin typeface="Times New Roman" panose="02020603050405020304" pitchFamily="18" charset="0"/>
-                <a:cs typeface="Times New Roman" panose="02020603050405020304" pitchFamily="18" charset="0"/>
-              </a:rPr>
-              <a:t> </a:t>
-            </a:r>
-            <a:r>
-              <a:rPr lang="en-US" altLang="zh-TW" sz="1600" dirty="0">
-                <a:latin typeface="Times New Roman" panose="02020603050405020304" pitchFamily="18" charset="0"/>
-                <a:cs typeface="Times New Roman" panose="02020603050405020304" pitchFamily="18" charset="0"/>
-              </a:rPr>
-              <a:t>=</a:t>
-            </a:r>
-            <a:r>
-              <a:rPr lang="en-US" altLang="zh-TW" sz="1800" dirty="0">
-                <a:latin typeface="Times New Roman" panose="02020603050405020304" pitchFamily="18" charset="0"/>
-                <a:cs typeface="Times New Roman" panose="02020603050405020304" pitchFamily="18" charset="0"/>
-              </a:rPr>
-              <a:t> 0.7768</a:t>
+              <a:rPr lang="en" altLang="zh-TW" dirty="0">
+                <a:latin typeface="Times New Roman"/>
+                <a:ea typeface="Times New Roman"/>
+                <a:cs typeface="Times New Roman"/>
+                <a:sym typeface="Times New Roman"/>
+              </a:rPr>
+              <a:t>MSE</a:t>
             </a:r>
           </a:p>
           <a:p>
             <a:pPr marL="800100" lvl="1" indent="-342900" algn="l">
-              <a:lnSpc>
-                <a:spcPct val="100000"/>
-              </a:lnSpc>
               <a:buFont typeface="+mj-lt"/>
               <a:buAutoNum type="arabicParenR"/>
             </a:pPr>
-            <a:r>
-              <a:rPr lang="en-US" altLang="zh-TW" sz="1800" dirty="0">
-                <a:latin typeface="Times New Roman" panose="02020603050405020304" pitchFamily="18" charset="0"/>
-                <a:cs typeface="Times New Roman" panose="02020603050405020304" pitchFamily="18" charset="0"/>
-              </a:rPr>
-              <a:t>Lasso Regression: </a:t>
-            </a:r>
-            <a:r>
-              <a:rPr lang="en-US" altLang="zh-TW" sz="1800" b="1" dirty="0">
-                <a:latin typeface="Times New Roman" panose="02020603050405020304" pitchFamily="18" charset="0"/>
-                <a:cs typeface="Times New Roman" panose="02020603050405020304" pitchFamily="18" charset="0"/>
-              </a:rPr>
-              <a:t>Training MSE</a:t>
-            </a:r>
-            <a:r>
-              <a:rPr lang="zh-TW" altLang="en-US" sz="1800" b="1" dirty="0">
-                <a:latin typeface="Times New Roman" panose="02020603050405020304" pitchFamily="18" charset="0"/>
-                <a:cs typeface="Times New Roman" panose="02020603050405020304" pitchFamily="18" charset="0"/>
-              </a:rPr>
-              <a:t> </a:t>
-            </a:r>
-            <a:r>
-              <a:rPr lang="en-US" altLang="zh-TW" sz="1600" dirty="0">
-                <a:latin typeface="Times New Roman" panose="02020603050405020304" pitchFamily="18" charset="0"/>
-                <a:cs typeface="Times New Roman" panose="02020603050405020304" pitchFamily="18" charset="0"/>
-              </a:rPr>
-              <a:t>=</a:t>
-            </a:r>
-            <a:r>
-              <a:rPr lang="en-US" altLang="zh-TW" sz="1800" dirty="0">
-                <a:latin typeface="Times New Roman" panose="02020603050405020304" pitchFamily="18" charset="0"/>
-                <a:cs typeface="Times New Roman" panose="02020603050405020304" pitchFamily="18" charset="0"/>
-              </a:rPr>
-              <a:t> 0.0014 | </a:t>
-            </a:r>
-            <a:r>
-              <a:rPr lang="en-US" altLang="zh-TW" sz="1800" b="1" dirty="0">
-                <a:latin typeface="Times New Roman" panose="02020603050405020304" pitchFamily="18" charset="0"/>
-                <a:cs typeface="Times New Roman" panose="02020603050405020304" pitchFamily="18" charset="0"/>
-              </a:rPr>
-              <a:t>Test MSE</a:t>
-            </a:r>
-            <a:r>
-              <a:rPr lang="zh-TW" altLang="en-US" sz="1800" b="1" dirty="0">
-                <a:latin typeface="Times New Roman" panose="02020603050405020304" pitchFamily="18" charset="0"/>
-                <a:cs typeface="Times New Roman" panose="02020603050405020304" pitchFamily="18" charset="0"/>
-              </a:rPr>
-              <a:t> </a:t>
-            </a:r>
-            <a:r>
-              <a:rPr lang="en-US" altLang="zh-TW" sz="1600" dirty="0">
-                <a:latin typeface="Times New Roman" panose="02020603050405020304" pitchFamily="18" charset="0"/>
-                <a:cs typeface="Times New Roman" panose="02020603050405020304" pitchFamily="18" charset="0"/>
-              </a:rPr>
-              <a:t>=</a:t>
-            </a:r>
-            <a:r>
-              <a:rPr lang="en-US" altLang="zh-TW" sz="1800" dirty="0">
-                <a:latin typeface="Times New Roman" panose="02020603050405020304" pitchFamily="18" charset="0"/>
-                <a:cs typeface="Times New Roman" panose="02020603050405020304" pitchFamily="18" charset="0"/>
-              </a:rPr>
-              <a:t> 0.0003 | </a:t>
-            </a:r>
-            <a:r>
-              <a:rPr lang="en-US" altLang="zh-TW" sz="1800" b="1" dirty="0">
-                <a:latin typeface="Times New Roman" panose="02020603050405020304" pitchFamily="18" charset="0"/>
-                <a:cs typeface="Times New Roman" panose="02020603050405020304" pitchFamily="18" charset="0"/>
-              </a:rPr>
-              <a:t>R²</a:t>
-            </a:r>
-            <a:r>
-              <a:rPr lang="zh-TW" altLang="en-US" sz="1800" b="1" dirty="0">
-                <a:latin typeface="Times New Roman" panose="02020603050405020304" pitchFamily="18" charset="0"/>
-                <a:cs typeface="Times New Roman" panose="02020603050405020304" pitchFamily="18" charset="0"/>
-              </a:rPr>
-              <a:t> </a:t>
-            </a:r>
-            <a:r>
-              <a:rPr lang="en-US" altLang="zh-TW" sz="1600" dirty="0">
-                <a:latin typeface="Times New Roman" panose="02020603050405020304" pitchFamily="18" charset="0"/>
-                <a:cs typeface="Times New Roman" panose="02020603050405020304" pitchFamily="18" charset="0"/>
-              </a:rPr>
-              <a:t>=</a:t>
-            </a:r>
-            <a:r>
-              <a:rPr lang="en-US" altLang="zh-TW" sz="1800" dirty="0">
-                <a:latin typeface="Times New Roman" panose="02020603050405020304" pitchFamily="18" charset="0"/>
-                <a:cs typeface="Times New Roman" panose="02020603050405020304" pitchFamily="18" charset="0"/>
-              </a:rPr>
-              <a:t> 0.8797</a:t>
-            </a:r>
+            <a:endParaRPr lang="en" altLang="zh-TW" dirty="0">
+              <a:latin typeface="Times New Roman"/>
+              <a:cs typeface="Times New Roman"/>
+              <a:sym typeface="Times New Roman"/>
+            </a:endParaRPr>
           </a:p>
           <a:p>
             <a:pPr marL="800100" lvl="1" indent="-342900" algn="l">
-              <a:lnSpc>
-                <a:spcPct val="110000"/>
-              </a:lnSpc>
               <a:buFont typeface="+mj-lt"/>
               <a:buAutoNum type="arabicParenR"/>
             </a:pPr>
-            <a:r>
-              <a:rPr lang="en-US" altLang="zh-TW" sz="1800" dirty="0">
-                <a:latin typeface="Times New Roman" panose="02020603050405020304" pitchFamily="18" charset="0"/>
-                <a:cs typeface="Times New Roman" panose="02020603050405020304" pitchFamily="18" charset="0"/>
-              </a:rPr>
-              <a:t>Ridge Regression: </a:t>
-            </a:r>
-            <a:r>
-              <a:rPr lang="en-US" altLang="zh-TW" sz="1800" b="1" dirty="0">
-                <a:latin typeface="Times New Roman" panose="02020603050405020304" pitchFamily="18" charset="0"/>
-                <a:cs typeface="Times New Roman" panose="02020603050405020304" pitchFamily="18" charset="0"/>
-              </a:rPr>
-              <a:t>Training MSE</a:t>
-            </a:r>
-            <a:r>
-              <a:rPr lang="zh-TW" altLang="en-US" sz="1800" b="1" dirty="0">
-                <a:latin typeface="Times New Roman" panose="02020603050405020304" pitchFamily="18" charset="0"/>
-                <a:cs typeface="Times New Roman" panose="02020603050405020304" pitchFamily="18" charset="0"/>
-              </a:rPr>
-              <a:t> </a:t>
-            </a:r>
-            <a:r>
-              <a:rPr lang="en-US" altLang="zh-TW" sz="1600" dirty="0">
-                <a:latin typeface="Times New Roman" panose="02020603050405020304" pitchFamily="18" charset="0"/>
-                <a:cs typeface="Times New Roman" panose="02020603050405020304" pitchFamily="18" charset="0"/>
-              </a:rPr>
-              <a:t>=</a:t>
-            </a:r>
-            <a:r>
-              <a:rPr lang="en-US" altLang="zh-TW" sz="1800" dirty="0">
-                <a:latin typeface="Times New Roman" panose="02020603050405020304" pitchFamily="18" charset="0"/>
-                <a:cs typeface="Times New Roman" panose="02020603050405020304" pitchFamily="18" charset="0"/>
-              </a:rPr>
-              <a:t> 0.0005 | </a:t>
-            </a:r>
-            <a:r>
-              <a:rPr lang="en-US" altLang="zh-TW" sz="1800" b="1" dirty="0">
-                <a:latin typeface="Times New Roman" panose="02020603050405020304" pitchFamily="18" charset="0"/>
-                <a:cs typeface="Times New Roman" panose="02020603050405020304" pitchFamily="18" charset="0"/>
-              </a:rPr>
-              <a:t>Test MSE</a:t>
-            </a:r>
-            <a:r>
-              <a:rPr lang="zh-TW" altLang="en-US" sz="1800" b="1" dirty="0">
-                <a:latin typeface="Times New Roman" panose="02020603050405020304" pitchFamily="18" charset="0"/>
-                <a:cs typeface="Times New Roman" panose="02020603050405020304" pitchFamily="18" charset="0"/>
-              </a:rPr>
-              <a:t> </a:t>
-            </a:r>
-            <a:r>
-              <a:rPr lang="en-US" altLang="zh-TW" sz="1600" dirty="0">
-                <a:latin typeface="Times New Roman" panose="02020603050405020304" pitchFamily="18" charset="0"/>
-                <a:cs typeface="Times New Roman" panose="02020603050405020304" pitchFamily="18" charset="0"/>
-              </a:rPr>
-              <a:t>=</a:t>
-            </a:r>
-            <a:r>
-              <a:rPr lang="en-US" altLang="zh-TW" sz="1800" dirty="0">
-                <a:latin typeface="Times New Roman" panose="02020603050405020304" pitchFamily="18" charset="0"/>
-                <a:cs typeface="Times New Roman" panose="02020603050405020304" pitchFamily="18" charset="0"/>
-              </a:rPr>
-              <a:t> 0.0004 | </a:t>
-            </a:r>
-            <a:r>
-              <a:rPr lang="en-US" altLang="zh-TW" sz="1800" b="1" dirty="0">
-                <a:latin typeface="Times New Roman" panose="02020603050405020304" pitchFamily="18" charset="0"/>
-                <a:cs typeface="Times New Roman" panose="02020603050405020304" pitchFamily="18" charset="0"/>
-              </a:rPr>
-              <a:t>R²</a:t>
-            </a:r>
-            <a:r>
-              <a:rPr lang="zh-TW" altLang="en-US" sz="1800" b="1" dirty="0">
-                <a:latin typeface="Times New Roman" panose="02020603050405020304" pitchFamily="18" charset="0"/>
-                <a:cs typeface="Times New Roman" panose="02020603050405020304" pitchFamily="18" charset="0"/>
-              </a:rPr>
-              <a:t> </a:t>
-            </a:r>
-            <a:r>
-              <a:rPr lang="en-US" altLang="zh-TW" sz="1600" dirty="0">
-                <a:latin typeface="Times New Roman" panose="02020603050405020304" pitchFamily="18" charset="0"/>
-                <a:cs typeface="Times New Roman" panose="02020603050405020304" pitchFamily="18" charset="0"/>
-              </a:rPr>
-              <a:t>=</a:t>
-            </a:r>
-            <a:r>
-              <a:rPr lang="en-US" altLang="zh-TW" sz="1800" dirty="0">
-                <a:latin typeface="Times New Roman" panose="02020603050405020304" pitchFamily="18" charset="0"/>
-                <a:cs typeface="Times New Roman" panose="02020603050405020304" pitchFamily="18" charset="0"/>
-              </a:rPr>
-              <a:t> 0.8644</a:t>
+            <a:endParaRPr lang="en" altLang="zh-TW" dirty="0">
+              <a:latin typeface="Times New Roman"/>
+              <a:cs typeface="Times New Roman"/>
+              <a:sym typeface="Times New Roman"/>
+            </a:endParaRPr>
+          </a:p>
+          <a:p>
+            <a:pPr marL="800100" lvl="1" indent="-342900" algn="l">
+              <a:buFont typeface="+mj-lt"/>
+              <a:buAutoNum type="arabicParenR"/>
+            </a:pPr>
+            <a:endParaRPr lang="en-US" altLang="zh-TW" dirty="0">
+              <a:latin typeface="Times New Roman" panose="02020603050405020304" pitchFamily="18" charset="0"/>
+              <a:cs typeface="Times New Roman" panose="02020603050405020304" pitchFamily="18" charset="0"/>
+              <a:sym typeface="Times New Roman"/>
+            </a:endParaRPr>
+          </a:p>
+          <a:p>
+            <a:pPr marL="800100" lvl="1" indent="-342900" algn="l">
+              <a:buFont typeface="+mj-lt"/>
+              <a:buAutoNum type="arabicParenR"/>
+            </a:pPr>
+            <a:r>
+              <a:rPr lang="en-US" altLang="zh-TW" dirty="0">
+                <a:latin typeface="Times New Roman"/>
+                <a:cs typeface="Times New Roman"/>
+              </a:rPr>
+              <a:t>Feature importance: Distance (&gt;0.90), battery/ambient temperature (~0.05), others (&lt; 0.01)</a:t>
+            </a:r>
+          </a:p>
+          <a:p>
+            <a:pPr marL="457200" indent="-457200" algn="l">
+              <a:buFont typeface="+mj-lt"/>
+              <a:buAutoNum type="arabicPeriod"/>
+            </a:pPr>
+            <a:r>
+              <a:rPr lang="en-US" altLang="zh-TW" sz="2200" dirty="0">
+                <a:latin typeface="Times New Roman" panose="02020603050405020304" pitchFamily="18" charset="0"/>
+                <a:cs typeface="Times New Roman" panose="02020603050405020304" pitchFamily="18" charset="0"/>
+              </a:rPr>
+              <a:t>Outcome variable: Battery consumption / distance</a:t>
             </a:r>
           </a:p>
           <a:p>
@@ -4937,471 +4672,149 @@
               <a:buAutoNum type="arabicPeriod"/>
             </a:pPr>
             <a:r>
-              <a:rPr lang="en-US" altLang="zh-TW" sz="2200" b="1" dirty="0">
-                <a:latin typeface="Times New Roman" panose="02020603050405020304" pitchFamily="18" charset="0"/>
-                <a:cs typeface="Times New Roman" panose="02020603050405020304" pitchFamily="18" charset="0"/>
-              </a:rPr>
-              <a:t>Tree-Based Models</a:t>
-            </a:r>
-          </a:p>
-          <a:p>
-            <a:pPr marL="800100" lvl="1" indent="-342900" algn="l">
-              <a:lnSpc>
-                <a:spcPct val="100000"/>
-              </a:lnSpc>
-              <a:buFont typeface="+mj-lt"/>
-              <a:buAutoNum type="arabicParenR"/>
-            </a:pPr>
-            <a:r>
-              <a:rPr lang="en-US" altLang="zh-TW" sz="1800" dirty="0">
-                <a:latin typeface="Times New Roman" panose="02020603050405020304" pitchFamily="18" charset="0"/>
-                <a:cs typeface="Times New Roman" panose="02020603050405020304" pitchFamily="18" charset="0"/>
-              </a:rPr>
-              <a:t>Decision Tree:</a:t>
-            </a:r>
-          </a:p>
-          <a:p>
-            <a:pPr marL="1371600" lvl="2" indent="-457200" algn="l">
-              <a:buFont typeface="+mj-lt"/>
-              <a:buAutoNum type="alphaLcParenR"/>
-            </a:pPr>
-            <a:r>
-              <a:rPr lang="en-US" altLang="zh-TW" b="1" dirty="0">
-                <a:latin typeface="Times New Roman" panose="02020603050405020304" pitchFamily="18" charset="0"/>
-                <a:cs typeface="Times New Roman" panose="02020603050405020304" pitchFamily="18" charset="0"/>
-              </a:rPr>
-              <a:t>Training MSE</a:t>
-            </a:r>
-            <a:r>
-              <a:rPr lang="zh-TW" altLang="en-US" sz="1800" b="1" dirty="0">
-                <a:latin typeface="Times New Roman" panose="02020603050405020304" pitchFamily="18" charset="0"/>
-                <a:cs typeface="Times New Roman" panose="02020603050405020304" pitchFamily="18" charset="0"/>
-              </a:rPr>
-              <a:t> </a:t>
-            </a:r>
-            <a:r>
-              <a:rPr lang="en-US" altLang="zh-TW" sz="1600" dirty="0">
-                <a:latin typeface="Times New Roman" panose="02020603050405020304" pitchFamily="18" charset="0"/>
-                <a:cs typeface="Times New Roman" panose="02020603050405020304" pitchFamily="18" charset="0"/>
-              </a:rPr>
-              <a:t>=</a:t>
-            </a:r>
-            <a:r>
-              <a:rPr lang="en-US" altLang="zh-TW" sz="1800" dirty="0">
-                <a:latin typeface="Times New Roman" panose="02020603050405020304" pitchFamily="18" charset="0"/>
-                <a:cs typeface="Times New Roman" panose="02020603050405020304" pitchFamily="18" charset="0"/>
-              </a:rPr>
-              <a:t> </a:t>
-            </a:r>
-            <a:r>
-              <a:rPr lang="en-US" altLang="zh-TW" dirty="0">
-                <a:latin typeface="Times New Roman" panose="02020603050405020304" pitchFamily="18" charset="0"/>
-                <a:cs typeface="Times New Roman" panose="02020603050405020304" pitchFamily="18" charset="0"/>
-              </a:rPr>
-              <a:t>0.0000 | </a:t>
-            </a:r>
-            <a:r>
-              <a:rPr lang="en-US" altLang="zh-TW" b="1" dirty="0">
-                <a:latin typeface="Times New Roman" panose="02020603050405020304" pitchFamily="18" charset="0"/>
-                <a:cs typeface="Times New Roman" panose="02020603050405020304" pitchFamily="18" charset="0"/>
-              </a:rPr>
-              <a:t>Test MSE</a:t>
-            </a:r>
-            <a:r>
-              <a:rPr lang="zh-TW" altLang="en-US" sz="1800" b="1" dirty="0">
-                <a:latin typeface="Times New Roman" panose="02020603050405020304" pitchFamily="18" charset="0"/>
-                <a:cs typeface="Times New Roman" panose="02020603050405020304" pitchFamily="18" charset="0"/>
-              </a:rPr>
-              <a:t> </a:t>
-            </a:r>
-            <a:r>
-              <a:rPr lang="en-US" altLang="zh-TW" sz="1600" dirty="0">
-                <a:latin typeface="Times New Roman" panose="02020603050405020304" pitchFamily="18" charset="0"/>
-                <a:cs typeface="Times New Roman" panose="02020603050405020304" pitchFamily="18" charset="0"/>
-              </a:rPr>
-              <a:t>=</a:t>
-            </a:r>
-            <a:r>
-              <a:rPr lang="en-US" altLang="zh-TW" sz="1800" dirty="0">
-                <a:latin typeface="Times New Roman" panose="02020603050405020304" pitchFamily="18" charset="0"/>
-                <a:cs typeface="Times New Roman" panose="02020603050405020304" pitchFamily="18" charset="0"/>
-              </a:rPr>
-              <a:t> </a:t>
-            </a:r>
-            <a:r>
-              <a:rPr lang="en-US" altLang="zh-TW" dirty="0">
-                <a:latin typeface="Times New Roman" panose="02020603050405020304" pitchFamily="18" charset="0"/>
-                <a:cs typeface="Times New Roman" panose="02020603050405020304" pitchFamily="18" charset="0"/>
-              </a:rPr>
-              <a:t>0.0064 | </a:t>
-            </a:r>
-            <a:r>
-              <a:rPr lang="en-US" altLang="zh-TW" b="1" dirty="0">
-                <a:latin typeface="Times New Roman" panose="02020603050405020304" pitchFamily="18" charset="0"/>
-                <a:cs typeface="Times New Roman" panose="02020603050405020304" pitchFamily="18" charset="0"/>
-              </a:rPr>
-              <a:t>R²</a:t>
-            </a:r>
-            <a:r>
-              <a:rPr lang="zh-TW" altLang="en-US" sz="1800" b="1" dirty="0">
-                <a:latin typeface="Times New Roman" panose="02020603050405020304" pitchFamily="18" charset="0"/>
-                <a:cs typeface="Times New Roman" panose="02020603050405020304" pitchFamily="18" charset="0"/>
-              </a:rPr>
-              <a:t> </a:t>
-            </a:r>
-            <a:r>
-              <a:rPr lang="en-US" altLang="zh-TW" sz="1600" dirty="0">
-                <a:latin typeface="Times New Roman" panose="02020603050405020304" pitchFamily="18" charset="0"/>
-                <a:cs typeface="Times New Roman" panose="02020603050405020304" pitchFamily="18" charset="0"/>
-              </a:rPr>
-              <a:t>=</a:t>
-            </a:r>
-            <a:r>
-              <a:rPr lang="en-US" altLang="zh-TW" sz="1800" dirty="0">
-                <a:latin typeface="Times New Roman" panose="02020603050405020304" pitchFamily="18" charset="0"/>
-                <a:cs typeface="Times New Roman" panose="02020603050405020304" pitchFamily="18" charset="0"/>
-              </a:rPr>
-              <a:t> </a:t>
-            </a:r>
-            <a:r>
-              <a:rPr lang="en-US" altLang="zh-TW" dirty="0">
-                <a:latin typeface="Times New Roman" panose="02020603050405020304" pitchFamily="18" charset="0"/>
-                <a:cs typeface="Times New Roman" panose="02020603050405020304" pitchFamily="18" charset="0"/>
-              </a:rPr>
-              <a:t>-0.4816</a:t>
-            </a:r>
-          </a:p>
-          <a:p>
-            <a:pPr marL="1371600" lvl="2" indent="-457200" algn="l">
-              <a:buFont typeface="+mj-lt"/>
-              <a:buAutoNum type="alphaLcParenR"/>
-            </a:pPr>
-            <a:r>
-              <a:rPr lang="en-US" altLang="zh-TW" b="1" dirty="0">
-                <a:latin typeface="Times New Roman" panose="02020603050405020304" pitchFamily="18" charset="0"/>
-                <a:cs typeface="Times New Roman" panose="02020603050405020304" pitchFamily="18" charset="0"/>
-              </a:rPr>
-              <a:t>Feature Importance: Distance [km]</a:t>
-            </a:r>
-            <a:r>
-              <a:rPr lang="zh-TW" altLang="en-US" sz="1800" b="1" dirty="0">
-                <a:latin typeface="Times New Roman" panose="02020603050405020304" pitchFamily="18" charset="0"/>
-                <a:cs typeface="Times New Roman" panose="02020603050405020304" pitchFamily="18" charset="0"/>
-              </a:rPr>
-              <a:t> </a:t>
-            </a:r>
-            <a:r>
-              <a:rPr lang="en-US" altLang="zh-TW" sz="1600" dirty="0">
-                <a:latin typeface="Times New Roman" panose="02020603050405020304" pitchFamily="18" charset="0"/>
-                <a:cs typeface="Times New Roman" panose="02020603050405020304" pitchFamily="18" charset="0"/>
-              </a:rPr>
-              <a:t>=</a:t>
-            </a:r>
-            <a:r>
-              <a:rPr lang="en-US" altLang="zh-TW" sz="1800" dirty="0">
-                <a:latin typeface="Times New Roman" panose="02020603050405020304" pitchFamily="18" charset="0"/>
-                <a:cs typeface="Times New Roman" panose="02020603050405020304" pitchFamily="18" charset="0"/>
-              </a:rPr>
-              <a:t> </a:t>
-            </a:r>
-            <a:r>
-              <a:rPr lang="en-US" altLang="zh-TW" dirty="0">
-                <a:latin typeface="Times New Roman" panose="02020603050405020304" pitchFamily="18" charset="0"/>
-                <a:cs typeface="Times New Roman" panose="02020603050405020304" pitchFamily="18" charset="0"/>
-              </a:rPr>
-              <a:t>0.924999</a:t>
-            </a:r>
-          </a:p>
-          <a:p>
-            <a:pPr marL="800100" lvl="1" indent="-342900" algn="l">
-              <a:lnSpc>
-                <a:spcPct val="100000"/>
-              </a:lnSpc>
-              <a:buFont typeface="+mj-lt"/>
-              <a:buAutoNum type="arabicParenR"/>
-            </a:pPr>
-            <a:r>
-              <a:rPr lang="en-US" altLang="zh-TW" sz="1800" dirty="0">
-                <a:latin typeface="Times New Roman" panose="02020603050405020304" pitchFamily="18" charset="0"/>
-                <a:cs typeface="Times New Roman" panose="02020603050405020304" pitchFamily="18" charset="0"/>
-              </a:rPr>
-              <a:t>Random Forest:</a:t>
-            </a:r>
-          </a:p>
-          <a:p>
-            <a:pPr marL="1371600" lvl="2" indent="-457200" algn="l">
-              <a:buFont typeface="+mj-lt"/>
-              <a:buAutoNum type="alphaLcParenR"/>
-            </a:pPr>
-            <a:r>
-              <a:rPr lang="en-US" altLang="zh-TW" b="1" dirty="0">
-                <a:latin typeface="Times New Roman" panose="02020603050405020304" pitchFamily="18" charset="0"/>
-                <a:cs typeface="Times New Roman" panose="02020603050405020304" pitchFamily="18" charset="0"/>
-              </a:rPr>
-              <a:t>Training MSE</a:t>
-            </a:r>
-            <a:r>
-              <a:rPr lang="zh-TW" altLang="en-US" sz="1800" b="1" dirty="0">
-                <a:latin typeface="Times New Roman" panose="02020603050405020304" pitchFamily="18" charset="0"/>
-                <a:cs typeface="Times New Roman" panose="02020603050405020304" pitchFamily="18" charset="0"/>
-              </a:rPr>
-              <a:t> </a:t>
-            </a:r>
-            <a:r>
-              <a:rPr lang="en-US" altLang="zh-TW" sz="1600" dirty="0">
-                <a:latin typeface="Times New Roman" panose="02020603050405020304" pitchFamily="18" charset="0"/>
-                <a:cs typeface="Times New Roman" panose="02020603050405020304" pitchFamily="18" charset="0"/>
-              </a:rPr>
-              <a:t>=</a:t>
-            </a:r>
-            <a:r>
-              <a:rPr lang="en-US" altLang="zh-TW" sz="1800" dirty="0">
-                <a:latin typeface="Times New Roman" panose="02020603050405020304" pitchFamily="18" charset="0"/>
-                <a:cs typeface="Times New Roman" panose="02020603050405020304" pitchFamily="18" charset="0"/>
-              </a:rPr>
-              <a:t> </a:t>
-            </a:r>
-            <a:r>
-              <a:rPr lang="en-US" altLang="zh-TW" dirty="0">
-                <a:latin typeface="Times New Roman" panose="02020603050405020304" pitchFamily="18" charset="0"/>
-                <a:cs typeface="Times New Roman" panose="02020603050405020304" pitchFamily="18" charset="0"/>
-              </a:rPr>
-              <a:t>0.0002 | </a:t>
-            </a:r>
-            <a:r>
-              <a:rPr lang="en-US" altLang="zh-TW" b="1" dirty="0">
-                <a:latin typeface="Times New Roman" panose="02020603050405020304" pitchFamily="18" charset="0"/>
-                <a:cs typeface="Times New Roman" panose="02020603050405020304" pitchFamily="18" charset="0"/>
-              </a:rPr>
-              <a:t>Test MSE</a:t>
-            </a:r>
-            <a:r>
-              <a:rPr lang="zh-TW" altLang="en-US" sz="1800" b="1" dirty="0">
-                <a:latin typeface="Times New Roman" panose="02020603050405020304" pitchFamily="18" charset="0"/>
-                <a:cs typeface="Times New Roman" panose="02020603050405020304" pitchFamily="18" charset="0"/>
-              </a:rPr>
-              <a:t> </a:t>
-            </a:r>
-            <a:r>
-              <a:rPr lang="en-US" altLang="zh-TW" sz="1600" dirty="0">
-                <a:latin typeface="Times New Roman" panose="02020603050405020304" pitchFamily="18" charset="0"/>
-                <a:cs typeface="Times New Roman" panose="02020603050405020304" pitchFamily="18" charset="0"/>
-              </a:rPr>
-              <a:t>=</a:t>
-            </a:r>
-            <a:r>
-              <a:rPr lang="en-US" altLang="zh-TW" sz="1800" dirty="0">
-                <a:latin typeface="Times New Roman" panose="02020603050405020304" pitchFamily="18" charset="0"/>
-                <a:cs typeface="Times New Roman" panose="02020603050405020304" pitchFamily="18" charset="0"/>
-              </a:rPr>
-              <a:t> </a:t>
-            </a:r>
-            <a:r>
-              <a:rPr lang="en-US" altLang="zh-TW" dirty="0">
-                <a:latin typeface="Times New Roman" panose="02020603050405020304" pitchFamily="18" charset="0"/>
-                <a:cs typeface="Times New Roman" panose="02020603050405020304" pitchFamily="18" charset="0"/>
-              </a:rPr>
-              <a:t>0.0018 | </a:t>
-            </a:r>
-            <a:r>
-              <a:rPr lang="en-US" altLang="zh-TW" b="1" dirty="0">
-                <a:latin typeface="Times New Roman" panose="02020603050405020304" pitchFamily="18" charset="0"/>
-                <a:cs typeface="Times New Roman" panose="02020603050405020304" pitchFamily="18" charset="0"/>
-              </a:rPr>
-              <a:t>R²</a:t>
-            </a:r>
-            <a:r>
-              <a:rPr lang="zh-TW" altLang="en-US" sz="1800" b="1" dirty="0">
-                <a:latin typeface="Times New Roman" panose="02020603050405020304" pitchFamily="18" charset="0"/>
-                <a:cs typeface="Times New Roman" panose="02020603050405020304" pitchFamily="18" charset="0"/>
-              </a:rPr>
-              <a:t> </a:t>
-            </a:r>
-            <a:r>
-              <a:rPr lang="en-US" altLang="zh-TW" sz="1600" dirty="0">
-                <a:latin typeface="Times New Roman" panose="02020603050405020304" pitchFamily="18" charset="0"/>
-                <a:cs typeface="Times New Roman" panose="02020603050405020304" pitchFamily="18" charset="0"/>
-              </a:rPr>
-              <a:t>=</a:t>
-            </a:r>
-            <a:r>
-              <a:rPr lang="en-US" altLang="zh-TW" sz="1800" dirty="0">
-                <a:latin typeface="Times New Roman" panose="02020603050405020304" pitchFamily="18" charset="0"/>
-                <a:cs typeface="Times New Roman" panose="02020603050405020304" pitchFamily="18" charset="0"/>
-              </a:rPr>
-              <a:t> </a:t>
-            </a:r>
-            <a:r>
-              <a:rPr lang="en-US" altLang="zh-TW" dirty="0">
-                <a:latin typeface="Times New Roman" panose="02020603050405020304" pitchFamily="18" charset="0"/>
-                <a:cs typeface="Times New Roman" panose="02020603050405020304" pitchFamily="18" charset="0"/>
-              </a:rPr>
-              <a:t>0.5764</a:t>
-            </a:r>
-          </a:p>
-          <a:p>
-            <a:pPr marL="1371600" lvl="2" indent="-457200" algn="l">
-              <a:buFont typeface="+mj-lt"/>
-              <a:buAutoNum type="alphaLcParenR"/>
-            </a:pPr>
-            <a:r>
-              <a:rPr lang="en-US" altLang="zh-TW" b="1" dirty="0">
-                <a:latin typeface="Times New Roman" panose="02020603050405020304" pitchFamily="18" charset="0"/>
-                <a:cs typeface="Times New Roman" panose="02020603050405020304" pitchFamily="18" charset="0"/>
-              </a:rPr>
-              <a:t>Feature Importance: Distance [km]</a:t>
-            </a:r>
-            <a:r>
-              <a:rPr lang="zh-TW" altLang="en-US" sz="1800" b="1" dirty="0">
-                <a:latin typeface="Times New Roman" panose="02020603050405020304" pitchFamily="18" charset="0"/>
-                <a:cs typeface="Times New Roman" panose="02020603050405020304" pitchFamily="18" charset="0"/>
-              </a:rPr>
-              <a:t> </a:t>
-            </a:r>
-            <a:r>
-              <a:rPr lang="en-US" altLang="zh-TW" sz="1600" dirty="0">
-                <a:latin typeface="Times New Roman" panose="02020603050405020304" pitchFamily="18" charset="0"/>
-                <a:cs typeface="Times New Roman" panose="02020603050405020304" pitchFamily="18" charset="0"/>
-              </a:rPr>
-              <a:t>=</a:t>
-            </a:r>
-            <a:r>
-              <a:rPr lang="en-US" altLang="zh-TW" sz="1800" dirty="0">
-                <a:latin typeface="Times New Roman" panose="02020603050405020304" pitchFamily="18" charset="0"/>
-                <a:cs typeface="Times New Roman" panose="02020603050405020304" pitchFamily="18" charset="0"/>
-              </a:rPr>
-              <a:t> </a:t>
-            </a:r>
-            <a:r>
-              <a:rPr lang="en-US" altLang="zh-TW" dirty="0">
-                <a:latin typeface="Times New Roman" panose="02020603050405020304" pitchFamily="18" charset="0"/>
-                <a:cs typeface="Times New Roman" panose="02020603050405020304" pitchFamily="18" charset="0"/>
-              </a:rPr>
-              <a:t>0.816695</a:t>
-            </a:r>
-          </a:p>
-          <a:p>
-            <a:pPr marL="457200" indent="-457200" algn="l">
-              <a:lnSpc>
-                <a:spcPct val="110000"/>
-              </a:lnSpc>
-              <a:buFont typeface="+mj-lt"/>
-              <a:buAutoNum type="arabicPeriod"/>
-            </a:pPr>
-            <a:r>
               <a:rPr lang="en-US" altLang="zh-TW" sz="2200" dirty="0">
                 <a:latin typeface="Times New Roman" panose="02020603050405020304" pitchFamily="18" charset="0"/>
                 <a:cs typeface="Times New Roman" panose="02020603050405020304" pitchFamily="18" charset="0"/>
               </a:rPr>
-              <a:t>Key Insights</a:t>
-            </a:r>
-          </a:p>
-          <a:p>
-            <a:pPr marL="742950" lvl="1" indent="-285750" algn="l">
-              <a:lnSpc>
-                <a:spcPct val="100000"/>
-              </a:lnSpc>
-              <a:buFont typeface="Wingdings" panose="05000000000000000000" pitchFamily="2" charset="2"/>
-              <a:buChar char="l"/>
-            </a:pPr>
-            <a:r>
-              <a:rPr lang="en-US" altLang="zh-TW" sz="1800" b="1" dirty="0">
-                <a:latin typeface="Times New Roman" panose="02020603050405020304" pitchFamily="18" charset="0"/>
-                <a:cs typeface="Times New Roman" panose="02020603050405020304" pitchFamily="18" charset="0"/>
-              </a:rPr>
-              <a:t>Linear Methods</a:t>
-            </a:r>
-            <a:r>
-              <a:rPr lang="en-US" altLang="zh-TW" sz="1800" dirty="0">
-                <a:latin typeface="Times New Roman" panose="02020603050405020304" pitchFamily="18" charset="0"/>
-                <a:cs typeface="Times New Roman" panose="02020603050405020304" pitchFamily="18" charset="0"/>
-              </a:rPr>
-              <a:t> clearly outperform tree-based methods: </a:t>
-            </a:r>
-            <a:r>
-              <a:rPr lang="en-US" altLang="zh-TW" sz="1800" b="1" dirty="0">
-                <a:latin typeface="Times New Roman" panose="02020603050405020304" pitchFamily="18" charset="0"/>
-                <a:cs typeface="Times New Roman" panose="02020603050405020304" pitchFamily="18" charset="0"/>
-              </a:rPr>
-              <a:t>Lower Test MSE</a:t>
-            </a:r>
-            <a:r>
-              <a:rPr lang="en-US" altLang="zh-TW" sz="1800" dirty="0">
-                <a:latin typeface="Times New Roman" panose="02020603050405020304" pitchFamily="18" charset="0"/>
-                <a:cs typeface="Times New Roman" panose="02020603050405020304" pitchFamily="18" charset="0"/>
-              </a:rPr>
-              <a:t> (&lt; 0.0006) and </a:t>
-            </a:r>
-            <a:r>
-              <a:rPr lang="en-US" altLang="zh-TW" sz="1800" b="1" dirty="0">
-                <a:latin typeface="Times New Roman" panose="02020603050405020304" pitchFamily="18" charset="0"/>
-                <a:cs typeface="Times New Roman" panose="02020603050405020304" pitchFamily="18" charset="0"/>
-              </a:rPr>
-              <a:t>higher R²</a:t>
-            </a:r>
-            <a:r>
-              <a:rPr lang="en-US" altLang="zh-TW" sz="1800" dirty="0">
-                <a:latin typeface="Times New Roman" panose="02020603050405020304" pitchFamily="18" charset="0"/>
-                <a:cs typeface="Times New Roman" panose="02020603050405020304" pitchFamily="18" charset="0"/>
-              </a:rPr>
-              <a:t> (&gt; 77%)</a:t>
-            </a:r>
-          </a:p>
-          <a:p>
-            <a:pPr marL="742950" lvl="1" indent="-285750" algn="l">
-              <a:lnSpc>
-                <a:spcPct val="100000"/>
-              </a:lnSpc>
-              <a:buFont typeface="Wingdings" panose="05000000000000000000" pitchFamily="2" charset="2"/>
-              <a:buChar char="l"/>
-            </a:pPr>
-            <a:r>
-              <a:rPr lang="en-US" altLang="zh-TW" sz="1800" dirty="0">
-                <a:latin typeface="Times New Roman" panose="02020603050405020304" pitchFamily="18" charset="0"/>
-                <a:cs typeface="Times New Roman" panose="02020603050405020304" pitchFamily="18" charset="0"/>
-              </a:rPr>
-              <a:t>Data exhibits strong </a:t>
-            </a:r>
-            <a:r>
-              <a:rPr lang="en-US" altLang="zh-TW" sz="1800" b="1" dirty="0">
-                <a:latin typeface="Times New Roman" panose="02020603050405020304" pitchFamily="18" charset="0"/>
-                <a:cs typeface="Times New Roman" panose="02020603050405020304" pitchFamily="18" charset="0"/>
-              </a:rPr>
-              <a:t>linear relationships</a:t>
-            </a:r>
-            <a:r>
-              <a:rPr lang="en-US" altLang="zh-TW" sz="1800" dirty="0">
-                <a:latin typeface="Times New Roman" panose="02020603050405020304" pitchFamily="18" charset="0"/>
-                <a:cs typeface="Times New Roman" panose="02020603050405020304" pitchFamily="18" charset="0"/>
-              </a:rPr>
-              <a:t> between predictors and response</a:t>
-            </a:r>
-          </a:p>
-          <a:p>
-            <a:pPr marL="742950" lvl="1" indent="-285750" algn="l">
-              <a:lnSpc>
-                <a:spcPct val="100000"/>
-              </a:lnSpc>
-              <a:buFont typeface="Wingdings" panose="05000000000000000000" pitchFamily="2" charset="2"/>
-              <a:buChar char="l"/>
-            </a:pPr>
-            <a:r>
-              <a:rPr lang="en-US" altLang="zh-TW" sz="1800" b="1" dirty="0">
-                <a:latin typeface="Times New Roman" panose="02020603050405020304" pitchFamily="18" charset="0"/>
-                <a:cs typeface="Times New Roman" panose="02020603050405020304" pitchFamily="18" charset="0"/>
-              </a:rPr>
-              <a:t>Distance</a:t>
-            </a:r>
-            <a:r>
-              <a:rPr lang="en-US" altLang="zh-TW" sz="1800" dirty="0">
-                <a:latin typeface="Times New Roman" panose="02020603050405020304" pitchFamily="18" charset="0"/>
-                <a:cs typeface="Times New Roman" panose="02020603050405020304" pitchFamily="18" charset="0"/>
-              </a:rPr>
-              <a:t> is the most influential feature in both model types, aligning with theoretical expectations</a:t>
-            </a:r>
-          </a:p>
-        </p:txBody>
-      </p:sp>
+              <a:t>Graph the results</a:t>
+            </a:r>
+          </a:p>
+        </p:txBody>
+      </p:sp>
+      <p:pic>
+        <p:nvPicPr>
+          <p:cNvPr id="4" name="Google Shape;144;p27">
+            <a:extLst>
+              <a:ext uri="{FF2B5EF4-FFF2-40B4-BE49-F238E27FC236}">
+                <a16:creationId xmlns:a16="http://schemas.microsoft.com/office/drawing/2014/main" id="{105655C1-A389-9336-F4BB-82012F896326}"/>
+              </a:ext>
+            </a:extLst>
+          </p:cNvPr>
+          <p:cNvPicPr preferRelativeResize="0"/>
+          <p:nvPr/>
+        </p:nvPicPr>
+        <p:blipFill>
+          <a:blip r:embed="rId2">
+            <a:alphaModFix/>
+          </a:blip>
+          <a:stretch>
+            <a:fillRect/>
+          </a:stretch>
+        </p:blipFill>
+        <p:spPr>
+          <a:xfrm>
+            <a:off x="2283780" y="1733112"/>
+            <a:ext cx="2854278" cy="1336660"/>
+          </a:xfrm>
+          <a:prstGeom prst="rect">
+            <a:avLst/>
+          </a:prstGeom>
+          <a:noFill/>
+          <a:ln>
+            <a:noFill/>
+          </a:ln>
+        </p:spPr>
+      </p:pic>
+      <p:pic>
+        <p:nvPicPr>
+          <p:cNvPr id="5" name="Google Shape;145;p27">
+            <a:extLst>
+              <a:ext uri="{FF2B5EF4-FFF2-40B4-BE49-F238E27FC236}">
+                <a16:creationId xmlns:a16="http://schemas.microsoft.com/office/drawing/2014/main" id="{B69102E8-DE6F-0DC7-053B-EA9F51CDD65C}"/>
+              </a:ext>
+            </a:extLst>
+          </p:cNvPr>
+          <p:cNvPicPr preferRelativeResize="0"/>
+          <p:nvPr/>
+        </p:nvPicPr>
+        <p:blipFill>
+          <a:blip r:embed="rId3">
+            <a:alphaModFix/>
+          </a:blip>
+          <a:stretch>
+            <a:fillRect/>
+          </a:stretch>
+        </p:blipFill>
+        <p:spPr>
+          <a:xfrm>
+            <a:off x="7072437" y="3429000"/>
+            <a:ext cx="2463448" cy="985158"/>
+          </a:xfrm>
+          <a:prstGeom prst="rect">
+            <a:avLst/>
+          </a:prstGeom>
+          <a:noFill/>
+          <a:ln>
+            <a:noFill/>
+          </a:ln>
+        </p:spPr>
+      </p:pic>
+      <p:pic>
+        <p:nvPicPr>
+          <p:cNvPr id="10" name="Google Shape;152;p28" descr="一張含有 文字, 螢幕擷取畫面, 圖表, 繪圖 的圖片&#10;&#10;自動產生的描述">
+            <a:extLst>
+              <a:ext uri="{FF2B5EF4-FFF2-40B4-BE49-F238E27FC236}">
+                <a16:creationId xmlns:a16="http://schemas.microsoft.com/office/drawing/2014/main" id="{ADACF5D6-83CE-3DB5-DED3-FC402F5E4665}"/>
+              </a:ext>
+            </a:extLst>
+          </p:cNvPr>
+          <p:cNvPicPr preferRelativeResize="0"/>
+          <p:nvPr/>
+        </p:nvPicPr>
+        <p:blipFill rotWithShape="1">
+          <a:blip r:embed="rId4">
+            <a:alphaModFix/>
+          </a:blip>
+          <a:srcRect/>
+          <a:stretch/>
+        </p:blipFill>
+        <p:spPr>
+          <a:xfrm>
+            <a:off x="1310618" y="4414158"/>
+            <a:ext cx="3496536" cy="2253342"/>
+          </a:xfrm>
+          <a:prstGeom prst="rect">
+            <a:avLst/>
+          </a:prstGeom>
+          <a:noFill/>
+          <a:ln>
+            <a:noFill/>
+          </a:ln>
+        </p:spPr>
+      </p:pic>
+      <p:pic>
+        <p:nvPicPr>
+          <p:cNvPr id="11" name="Google Shape;153;p28" descr="一張含有 文字, 螢幕擷取畫面, 圖表, 行 的圖片&#10;&#10;自動產生的描述">
+            <a:extLst>
+              <a:ext uri="{FF2B5EF4-FFF2-40B4-BE49-F238E27FC236}">
+                <a16:creationId xmlns:a16="http://schemas.microsoft.com/office/drawing/2014/main" id="{06A41C7B-322F-B57C-62DA-61C4DA30A43C}"/>
+              </a:ext>
+            </a:extLst>
+          </p:cNvPr>
+          <p:cNvPicPr preferRelativeResize="0"/>
+          <p:nvPr/>
+        </p:nvPicPr>
+        <p:blipFill rotWithShape="1">
+          <a:blip r:embed="rId5">
+            <a:alphaModFix/>
+          </a:blip>
+          <a:srcRect/>
+          <a:stretch/>
+        </p:blipFill>
+        <p:spPr>
+          <a:xfrm>
+            <a:off x="5256743" y="4414158"/>
+            <a:ext cx="3242833" cy="2253342"/>
+          </a:xfrm>
+          <a:prstGeom prst="rect">
+            <a:avLst/>
+          </a:prstGeom>
+          <a:noFill/>
+          <a:ln>
+            <a:noFill/>
+          </a:ln>
+        </p:spPr>
+      </p:pic>
     </p:spTree>
     <p:extLst>
       <p:ext uri="{BB962C8B-B14F-4D97-AF65-F5344CB8AC3E}">
@@ -5484,7 +4897,7 @@
         </p:nvSpPr>
         <p:spPr>
           <a:xfrm>
-            <a:off x="-163285" y="360363"/>
+            <a:off x="-2318657" y="360363"/>
             <a:ext cx="9144000" cy="815294"/>
           </a:xfrm>
         </p:spPr>
@@ -5499,7 +4912,7 @@
                 <a:latin typeface="Times New Roman" panose="02020603050405020304" pitchFamily="18" charset="0"/>
                 <a:cs typeface="Times New Roman" panose="02020603050405020304" pitchFamily="18" charset="0"/>
               </a:rPr>
-              <a:t>Analysis Results Summary</a:t>
+              <a:t>Discussions</a:t>
             </a:r>
             <a:endParaRPr lang="zh-TW" altLang="en-US" b="1" dirty="0">
               <a:latin typeface="Times New Roman" panose="02020603050405020304" pitchFamily="18" charset="0"/>
@@ -5526,8 +4939,8 @@
         </p:nvSpPr>
         <p:spPr>
           <a:xfrm>
-            <a:off x="859971" y="1175657"/>
-            <a:ext cx="11332029" cy="5519057"/>
+            <a:off x="859971" y="1219200"/>
+            <a:ext cx="11332029" cy="4865914"/>
           </a:xfrm>
         </p:spPr>
         <p:txBody>
@@ -5541,229 +4954,168 @@
               <a:buAutoNum type="arabicPeriod"/>
             </a:pPr>
             <a:r>
-              <a:rPr lang="en-US" altLang="zh-TW" sz="2200" b="1" dirty="0">
-                <a:latin typeface="Times New Roman" panose="02020603050405020304" pitchFamily="18" charset="0"/>
-                <a:cs typeface="Times New Roman" panose="02020603050405020304" pitchFamily="18" charset="0"/>
-              </a:rPr>
-              <a:t>SOC Variability:</a:t>
-            </a:r>
-          </a:p>
-          <a:p>
-            <a:pPr lvl="1" algn="l"/>
-            <a:r>
-              <a:rPr lang="en-US" altLang="zh-TW" sz="1800" dirty="0">
-                <a:latin typeface="Times New Roman" panose="02020603050405020304" pitchFamily="18" charset="0"/>
-                <a:cs typeface="Times New Roman" panose="02020603050405020304" pitchFamily="18" charset="0"/>
-              </a:rPr>
-              <a:t>The chart (on the left) shows that the variable of interest, SOC, has significant variations, allowing for a meaningful prediction exercise using the features available in the data.</a:t>
+              <a:rPr lang="en-US" altLang="zh-TW" dirty="0">
+                <a:latin typeface="Times New Roman" panose="02020603050405020304" pitchFamily="18" charset="0"/>
+                <a:cs typeface="Times New Roman" panose="02020603050405020304" pitchFamily="18" charset="0"/>
+              </a:rPr>
+              <a:t>Implications</a:t>
+            </a:r>
+          </a:p>
+          <a:p>
+            <a:pPr marL="914400" lvl="1" indent="-457200" algn="l">
+              <a:buFont typeface="Wingdings" panose="05000000000000000000" pitchFamily="2" charset="2"/>
+              <a:buChar char="l"/>
+            </a:pPr>
+            <a:r>
+              <a:rPr lang="en-US" altLang="zh-TW" sz="2200" dirty="0">
+                <a:latin typeface="Times New Roman" panose="02020603050405020304" pitchFamily="18" charset="0"/>
+                <a:cs typeface="Times New Roman" panose="02020603050405020304" pitchFamily="18" charset="0"/>
+              </a:rPr>
+              <a:t>Tree models perform worse for linear relationships but better for non-linear relationships compared to linear models</a:t>
+            </a:r>
+          </a:p>
+          <a:p>
+            <a:pPr marL="914400" lvl="1" indent="-457200" algn="l">
+              <a:buFont typeface="Wingdings" panose="05000000000000000000" pitchFamily="2" charset="2"/>
+              <a:buChar char="l"/>
+            </a:pPr>
+            <a:r>
+              <a:rPr lang="en-US" altLang="zh-TW" sz="2200">
+                <a:latin typeface="Times New Roman" panose="02020603050405020304" pitchFamily="18" charset="0"/>
+                <a:cs typeface="Times New Roman" panose="02020603050405020304" pitchFamily="18" charset="0"/>
+              </a:rPr>
+              <a:t>Temperature </a:t>
+            </a:r>
+            <a:r>
+              <a:rPr lang="en-US" altLang="zh-TW" sz="2200" dirty="0">
+                <a:latin typeface="Times New Roman" panose="02020603050405020304" pitchFamily="18" charset="0"/>
+                <a:cs typeface="Times New Roman" panose="02020603050405020304" pitchFamily="18" charset="0"/>
+              </a:rPr>
+              <a:t>(and distance) is the most important feature in predicting battery usage</a:t>
             </a:r>
           </a:p>
           <a:p>
             <a:pPr marL="457200" indent="-457200" algn="l">
+              <a:buFont typeface="+mj-lt"/>
+              <a:buAutoNum type="arabicPeriod"/>
+            </a:pPr>
+            <a:r>
+              <a:rPr lang="en-US" altLang="zh-TW" dirty="0">
+                <a:latin typeface="Times New Roman" panose="02020603050405020304" pitchFamily="18" charset="0"/>
+                <a:cs typeface="Times New Roman" panose="02020603050405020304" pitchFamily="18" charset="0"/>
+              </a:rPr>
+              <a:t>Limitations</a:t>
+            </a:r>
+          </a:p>
+          <a:p>
+            <a:pPr marL="914400" lvl="1" indent="-457200" algn="l">
+              <a:buFont typeface="Wingdings" panose="05000000000000000000" pitchFamily="2" charset="2"/>
+              <a:buChar char="l"/>
+            </a:pPr>
+            <a:r>
+              <a:rPr lang="en" altLang="zh-TW" sz="2200" dirty="0">
+                <a:latin typeface="Times New Roman" panose="02020603050405020304" pitchFamily="18" charset="0"/>
+                <a:cs typeface="Times New Roman" panose="02020603050405020304" pitchFamily="18" charset="0"/>
+                <a:sym typeface="Times New Roman"/>
+              </a:rPr>
+              <a:t>Small sample size</a:t>
+            </a:r>
+            <a:endParaRPr lang="en-US" altLang="zh-TW" sz="2200" dirty="0">
+              <a:latin typeface="Times New Roman" panose="02020603050405020304" pitchFamily="18" charset="0"/>
+              <a:cs typeface="Times New Roman" panose="02020603050405020304" pitchFamily="18" charset="0"/>
+              <a:sym typeface="Times New Roman"/>
+            </a:endParaRPr>
+          </a:p>
+          <a:p>
+            <a:pPr marL="1371600" lvl="2" indent="-457200" algn="l">
               <a:lnSpc>
                 <a:spcPct val="100000"/>
               </a:lnSpc>
+              <a:buFont typeface="Wingdings" panose="05000000000000000000" pitchFamily="2" charset="2"/>
+              <a:buChar char="n"/>
+            </a:pPr>
+            <a:r>
+              <a:rPr lang="en-US" altLang="zh-TW" sz="2000" dirty="0">
+                <a:latin typeface="Times New Roman"/>
+                <a:ea typeface="Times New Roman"/>
+                <a:cs typeface="Times New Roman"/>
+                <a:sym typeface="Times New Roman"/>
+              </a:rPr>
+              <a:t>Cannot use cross-validation for model selection</a:t>
+            </a:r>
+            <a:endParaRPr lang="en" altLang="zh-TW" sz="2000" dirty="0">
+              <a:latin typeface="Times New Roman"/>
+              <a:ea typeface="Times New Roman"/>
+              <a:cs typeface="Times New Roman"/>
+              <a:sym typeface="Times New Roman"/>
+            </a:endParaRPr>
+          </a:p>
+          <a:p>
+            <a:pPr marL="914400" lvl="1" indent="-457200" algn="l">
+              <a:buFont typeface="Wingdings" panose="05000000000000000000" pitchFamily="2" charset="2"/>
+              <a:buChar char="l"/>
+            </a:pPr>
+            <a:r>
+              <a:rPr lang="en" altLang="zh-TW" sz="2200" dirty="0">
+                <a:latin typeface="Times New Roman" panose="02020603050405020304" pitchFamily="18" charset="0"/>
+                <a:cs typeface="Times New Roman" panose="02020603050405020304" pitchFamily="18" charset="0"/>
+                <a:sym typeface="Times New Roman"/>
+              </a:rPr>
+              <a:t>Lack of other important features</a:t>
+            </a:r>
+          </a:p>
+          <a:p>
+            <a:pPr marL="1371600" lvl="2" indent="-457200" algn="l">
+              <a:lnSpc>
+                <a:spcPct val="100000"/>
+              </a:lnSpc>
+              <a:buFont typeface="Wingdings" panose="05000000000000000000" pitchFamily="2" charset="2"/>
+              <a:buChar char="n"/>
+            </a:pPr>
+            <a:r>
+              <a:rPr lang="en-US" altLang="zh-TW" sz="2000" dirty="0">
+                <a:latin typeface="Times New Roman"/>
+                <a:cs typeface="Times New Roman"/>
+                <a:sym typeface="Times New Roman"/>
+              </a:rPr>
+              <a:t>Acceleration, brake usage, etc.</a:t>
+            </a:r>
+            <a:endParaRPr lang="en-US" altLang="zh-TW" sz="2000" dirty="0">
+              <a:latin typeface="Times New Roman"/>
+              <a:cs typeface="Times New Roman"/>
+            </a:endParaRPr>
+          </a:p>
+          <a:p>
+            <a:pPr marL="457200" indent="-457200" algn="l">
               <a:buFont typeface="+mj-lt"/>
               <a:buAutoNum type="arabicPeriod"/>
             </a:pPr>
             <a:r>
-              <a:rPr lang="en-US" altLang="zh-TW" sz="2200" b="1" dirty="0">
-                <a:latin typeface="Times New Roman" panose="02020603050405020304" pitchFamily="18" charset="0"/>
-                <a:cs typeface="Times New Roman" panose="02020603050405020304" pitchFamily="18" charset="0"/>
-              </a:rPr>
-              <a:t>Distance and SOC Relationship:</a:t>
-            </a:r>
-          </a:p>
-          <a:p>
-            <a:pPr lvl="1" algn="l">
+              <a:rPr lang="en-US" altLang="zh-TW" dirty="0">
+                <a:latin typeface="Times New Roman" panose="02020603050405020304" pitchFamily="18" charset="0"/>
+                <a:cs typeface="Times New Roman" panose="02020603050405020304" pitchFamily="18" charset="0"/>
+              </a:rPr>
+              <a:t>Further research</a:t>
+            </a:r>
+          </a:p>
+          <a:p>
+            <a:pPr marL="742950" lvl="1" indent="-285750" algn="l">
               <a:lnSpc>
                 <a:spcPct val="100000"/>
               </a:lnSpc>
+              <a:buFont typeface="Wingdings" panose="05000000000000000000" pitchFamily="2" charset="2"/>
+              <a:buChar char="l"/>
             </a:pPr>
             <a:r>
-              <a:rPr lang="en-US" altLang="zh-TW" sz="1800" dirty="0">
-                <a:latin typeface="Times New Roman" panose="02020603050405020304" pitchFamily="18" charset="0"/>
-                <a:cs typeface="Times New Roman" panose="02020603050405020304" pitchFamily="18" charset="0"/>
-              </a:rPr>
-              <a:t>The chart (second from the left) demonstrates a linear relationship between distance and battery consumption, with each additional mile requiring a similar amount of energy (SOC/km). This supports the earlier finding that linear models outperform tree-based models, with distance being the most important feature (0.92 feature importance).</a:t>
-            </a:r>
-          </a:p>
-          <a:p>
-            <a:pPr marL="457200" indent="-457200" algn="l">
-              <a:lnSpc>
-                <a:spcPct val="110000"/>
-              </a:lnSpc>
-              <a:buFont typeface="+mj-lt"/>
-              <a:buAutoNum type="arabicPeriod"/>
-            </a:pPr>
-            <a:r>
-              <a:rPr lang="en-US" altLang="zh-TW" sz="2200" b="1" dirty="0">
-                <a:latin typeface="Times New Roman" panose="02020603050405020304" pitchFamily="18" charset="0"/>
-                <a:cs typeface="Times New Roman" panose="02020603050405020304" pitchFamily="18" charset="0"/>
-              </a:rPr>
-              <a:t>Duration's Limited Importance:</a:t>
-            </a:r>
-          </a:p>
-          <a:p>
-            <a:pPr lvl="1" algn="l">
-              <a:lnSpc>
-                <a:spcPct val="100000"/>
-              </a:lnSpc>
-            </a:pPr>
-            <a:r>
-              <a:rPr lang="en-US" altLang="zh-TW" sz="1800" dirty="0">
-                <a:latin typeface="Times New Roman" panose="02020603050405020304" pitchFamily="18" charset="0"/>
-                <a:cs typeface="Times New Roman" panose="02020603050405020304" pitchFamily="18" charset="0"/>
-              </a:rPr>
-              <a:t>The strong correlation between SOC/km and temperature (second from the right) confirms that temperature and distance are key predictors of SOC. Trip duration (on the right) has minimal importance (0.02) due to its high correlation with distance, which already captures most of the SOC relationship (&gt;0.92 importance).</a:t>
-            </a:r>
-          </a:p>
-        </p:txBody>
-      </p:sp>
-      <p:pic>
-        <p:nvPicPr>
-          <p:cNvPr id="5" name="圖片 4" descr="一張含有 文字, 圖表, 螢幕擷取畫面, 繪圖 的圖片&#10;&#10;自動產生的描述">
-            <a:extLst>
-              <a:ext uri="{FF2B5EF4-FFF2-40B4-BE49-F238E27FC236}">
-                <a16:creationId xmlns:a16="http://schemas.microsoft.com/office/drawing/2014/main" id="{1A402FFD-2E66-6704-0200-7F79E67E3BE6}"/>
-              </a:ext>
-            </a:extLst>
-          </p:cNvPr>
-          <p:cNvPicPr>
-            <a:picLocks noChangeAspect="1"/>
-          </p:cNvPicPr>
-          <p:nvPr/>
-        </p:nvPicPr>
-        <p:blipFill>
-          <a:blip r:embed="rId2">
-            <a:extLst>
-              <a:ext uri="{28A0092B-C50C-407E-A947-70E740481C1C}">
-                <a14:useLocalDpi xmlns:a14="http://schemas.microsoft.com/office/drawing/2010/main" val="0"/>
-              </a:ext>
-            </a:extLst>
-          </a:blip>
-          <a:stretch>
-            <a:fillRect/>
-          </a:stretch>
-        </p:blipFill>
-        <p:spPr>
-          <a:xfrm>
-            <a:off x="1281365" y="4887685"/>
-            <a:ext cx="2367588" cy="1886494"/>
-          </a:xfrm>
-          <a:prstGeom prst="rect">
-            <a:avLst/>
-          </a:prstGeom>
-        </p:spPr>
-      </p:pic>
-      <p:pic>
-        <p:nvPicPr>
-          <p:cNvPr id="7" name="圖片 6" descr="一張含有 文字, 螢幕擷取畫面, 圖表, 繪圖 的圖片&#10;&#10;自動產生的描述">
-            <a:extLst>
-              <a:ext uri="{FF2B5EF4-FFF2-40B4-BE49-F238E27FC236}">
-                <a16:creationId xmlns:a16="http://schemas.microsoft.com/office/drawing/2014/main" id="{FD550C3B-915E-DD96-D85F-D65359F0E591}"/>
-              </a:ext>
-            </a:extLst>
-          </p:cNvPr>
-          <p:cNvPicPr>
-            <a:picLocks noChangeAspect="1"/>
-          </p:cNvPicPr>
-          <p:nvPr/>
-        </p:nvPicPr>
-        <p:blipFill>
-          <a:blip r:embed="rId3">
-            <a:extLst>
-              <a:ext uri="{28A0092B-C50C-407E-A947-70E740481C1C}">
-                <a14:useLocalDpi xmlns:a14="http://schemas.microsoft.com/office/drawing/2010/main" val="0"/>
-              </a:ext>
-            </a:extLst>
-          </a:blip>
-          <a:stretch>
-            <a:fillRect/>
-          </a:stretch>
-        </p:blipFill>
-        <p:spPr>
-          <a:xfrm>
-            <a:off x="3780264" y="4898571"/>
-            <a:ext cx="2367588" cy="1890282"/>
-          </a:xfrm>
-          <a:prstGeom prst="rect">
-            <a:avLst/>
-          </a:prstGeom>
-        </p:spPr>
-      </p:pic>
-      <p:pic>
-        <p:nvPicPr>
-          <p:cNvPr id="9" name="圖片 8" descr="一張含有 文字, 螢幕擷取畫面, 圖表, 行 的圖片&#10;&#10;自動產生的描述">
-            <a:extLst>
-              <a:ext uri="{FF2B5EF4-FFF2-40B4-BE49-F238E27FC236}">
-                <a16:creationId xmlns:a16="http://schemas.microsoft.com/office/drawing/2014/main" id="{82D7E139-8E1C-81CC-8B09-3459CEA25C1E}"/>
-              </a:ext>
-            </a:extLst>
-          </p:cNvPr>
-          <p:cNvPicPr>
-            <a:picLocks noChangeAspect="1"/>
-          </p:cNvPicPr>
-          <p:nvPr/>
-        </p:nvPicPr>
-        <p:blipFill>
-          <a:blip r:embed="rId4">
-            <a:extLst>
-              <a:ext uri="{28A0092B-C50C-407E-A947-70E740481C1C}">
-                <a14:useLocalDpi xmlns:a14="http://schemas.microsoft.com/office/drawing/2010/main" val="0"/>
-              </a:ext>
-            </a:extLst>
-          </a:blip>
-          <a:stretch>
-            <a:fillRect/>
-          </a:stretch>
-        </p:blipFill>
-        <p:spPr>
-          <a:xfrm>
-            <a:off x="6279163" y="4887685"/>
-            <a:ext cx="2553967" cy="1970315"/>
-          </a:xfrm>
-          <a:prstGeom prst="rect">
-            <a:avLst/>
-          </a:prstGeom>
-        </p:spPr>
-      </p:pic>
-      <p:pic>
-        <p:nvPicPr>
-          <p:cNvPr id="11" name="圖片 10" descr="一張含有 文字, 螢幕擷取畫面, 圖表, 行 的圖片&#10;&#10;自動產生的描述">
-            <a:extLst>
-              <a:ext uri="{FF2B5EF4-FFF2-40B4-BE49-F238E27FC236}">
-                <a16:creationId xmlns:a16="http://schemas.microsoft.com/office/drawing/2014/main" id="{46EF9709-5703-587F-82CA-F0B33958777F}"/>
-              </a:ext>
-            </a:extLst>
-          </p:cNvPr>
-          <p:cNvPicPr>
-            <a:picLocks noChangeAspect="1"/>
-          </p:cNvPicPr>
-          <p:nvPr/>
-        </p:nvPicPr>
-        <p:blipFill>
-          <a:blip r:embed="rId5">
-            <a:extLst>
-              <a:ext uri="{28A0092B-C50C-407E-A947-70E740481C1C}">
-                <a14:useLocalDpi xmlns:a14="http://schemas.microsoft.com/office/drawing/2010/main" val="0"/>
-              </a:ext>
-            </a:extLst>
-          </a:blip>
-          <a:stretch>
-            <a:fillRect/>
-          </a:stretch>
-        </p:blipFill>
-        <p:spPr>
-          <a:xfrm>
-            <a:off x="8833130" y="4847745"/>
-            <a:ext cx="2498899" cy="1991934"/>
-          </a:xfrm>
-          <a:prstGeom prst="rect">
-            <a:avLst/>
-          </a:prstGeom>
-        </p:spPr>
-      </p:pic>
+              <a:rPr lang="en-US" altLang="zh-TW" sz="2200" dirty="0">
+                <a:latin typeface="Times New Roman" panose="02020603050405020304" pitchFamily="18" charset="0"/>
+                <a:cs typeface="Times New Roman" panose="02020603050405020304" pitchFamily="18" charset="0"/>
+              </a:rPr>
+              <a:t>Granular data is needed to analyze time series effectively</a:t>
+            </a:r>
+          </a:p>
+        </p:txBody>
+      </p:sp>
     </p:spTree>
     <p:extLst>
       <p:ext uri="{BB962C8B-B14F-4D97-AF65-F5344CB8AC3E}">
